--- a/Introduction to D3.pptx
+++ b/Introduction to D3.pptx
@@ -259,7 +259,7 @@
           <a:p>
             <a:fld id="{5C7B60CB-4555-4E4C-8A61-26D94E33D181}" type="datetimeFigureOut">
               <a:rPr lang="en-US" smtClean="0"/>
-              <a:t>4/3/2018</a:t>
+              <a:t>1/12/23</a:t>
             </a:fld>
             <a:endParaRPr lang="en-US"/>
           </a:p>
@@ -323,38 +323,37 @@
           <a:p>
             <a:pPr lvl="0"/>
             <a:r>
-              <a:rPr lang="en-US" smtClean="0"/>
+              <a:rPr lang="en-US"/>
               <a:t>Edit Master text styles</a:t>
             </a:r>
           </a:p>
           <a:p>
             <a:pPr lvl="1"/>
             <a:r>
-              <a:rPr lang="en-US" smtClean="0"/>
+              <a:rPr lang="en-US"/>
               <a:t>Second level</a:t>
             </a:r>
           </a:p>
           <a:p>
             <a:pPr lvl="2"/>
             <a:r>
-              <a:rPr lang="en-US" smtClean="0"/>
+              <a:rPr lang="en-US"/>
               <a:t>Third level</a:t>
             </a:r>
           </a:p>
           <a:p>
             <a:pPr lvl="3"/>
             <a:r>
-              <a:rPr lang="en-US" smtClean="0"/>
+              <a:rPr lang="en-US"/>
               <a:t>Fourth level</a:t>
             </a:r>
           </a:p>
           <a:p>
             <a:pPr lvl="4"/>
             <a:r>
-              <a:rPr lang="en-US" smtClean="0"/>
+              <a:rPr lang="en-US"/>
               <a:t>Fifth level</a:t>
             </a:r>
-            <a:endParaRPr lang="en-US"/>
           </a:p>
         </p:txBody>
       </p:sp>
@@ -572,10 +571,9 @@
           <a:lstStyle/>
           <a:p>
             <a:r>
-              <a:rPr lang="en-US" dirty="0" smtClean="0"/>
+              <a:rPr lang="en-US" dirty="0"/>
               <a:t>3</a:t>
             </a:r>
-            <a:endParaRPr lang="en-US" dirty="0"/>
           </a:p>
         </p:txBody>
       </p:sp>
@@ -660,10 +658,9 @@
           <a:lstStyle/>
           <a:p>
             <a:r>
-              <a:rPr lang="en-US" dirty="0" smtClean="0"/>
+              <a:rPr lang="en-US" dirty="0"/>
               <a:t>1</a:t>
             </a:r>
-            <a:endParaRPr lang="en-US" dirty="0"/>
           </a:p>
         </p:txBody>
       </p:sp>
@@ -748,10 +745,9 @@
           <a:lstStyle/>
           <a:p>
             <a:r>
-              <a:rPr lang="en-US" dirty="0" smtClean="0"/>
+              <a:rPr lang="en-US" dirty="0"/>
               <a:t>3</a:t>
             </a:r>
-            <a:endParaRPr lang="en-US" dirty="0"/>
           </a:p>
         </p:txBody>
       </p:sp>
@@ -836,10 +832,9 @@
           <a:lstStyle/>
           <a:p>
             <a:r>
-              <a:rPr lang="en-US" dirty="0" smtClean="0"/>
+              <a:rPr lang="en-US" dirty="0"/>
               <a:t>1 “Is box-cake even good though?”</a:t>
             </a:r>
-            <a:endParaRPr lang="en-US" dirty="0"/>
           </a:p>
         </p:txBody>
       </p:sp>
@@ -924,10 +919,9 @@
           <a:lstStyle/>
           <a:p>
             <a:r>
-              <a:rPr lang="en-US" dirty="0" smtClean="0"/>
+              <a:rPr lang="en-US" dirty="0"/>
               <a:t>1</a:t>
             </a:r>
-            <a:endParaRPr lang="en-US" dirty="0"/>
           </a:p>
         </p:txBody>
       </p:sp>
@@ -1012,10 +1006,9 @@
           <a:lstStyle/>
           <a:p>
             <a:r>
-              <a:rPr lang="en-US" dirty="0" smtClean="0"/>
+              <a:rPr lang="en-US" dirty="0"/>
               <a:t>1</a:t>
             </a:r>
-            <a:endParaRPr lang="en-US" dirty="0"/>
           </a:p>
         </p:txBody>
       </p:sp>
@@ -1100,10 +1093,9 @@
           <a:lstStyle/>
           <a:p>
             <a:r>
-              <a:rPr lang="en-US" dirty="0" smtClean="0"/>
+              <a:rPr lang="en-US" dirty="0"/>
               <a:t>1</a:t>
             </a:r>
-            <a:endParaRPr lang="en-US" dirty="0"/>
           </a:p>
         </p:txBody>
       </p:sp>
@@ -1188,10 +1180,9 @@
           <a:lstStyle/>
           <a:p>
             <a:r>
-              <a:rPr lang="en-US" dirty="0" smtClean="0"/>
+              <a:rPr lang="en-US" dirty="0"/>
               <a:t>1</a:t>
             </a:r>
-            <a:endParaRPr lang="en-US" dirty="0"/>
           </a:p>
         </p:txBody>
       </p:sp>
@@ -1276,10 +1267,9 @@
           <a:lstStyle/>
           <a:p>
             <a:r>
-              <a:rPr lang="en-US" dirty="0" smtClean="0"/>
+              <a:rPr lang="en-US" dirty="0"/>
               <a:t>1</a:t>
             </a:r>
-            <a:endParaRPr lang="en-US" dirty="0"/>
           </a:p>
         </p:txBody>
       </p:sp>
@@ -1364,10 +1354,9 @@
           <a:lstStyle/>
           <a:p>
             <a:r>
-              <a:rPr lang="en-US" dirty="0" smtClean="0"/>
+              <a:rPr lang="en-US" dirty="0"/>
               <a:t>1</a:t>
             </a:r>
-            <a:endParaRPr lang="en-US" dirty="0"/>
           </a:p>
         </p:txBody>
       </p:sp>
@@ -1452,10 +1441,9 @@
           <a:lstStyle/>
           <a:p>
             <a:r>
-              <a:rPr lang="en-US" dirty="0" smtClean="0"/>
+              <a:rPr lang="en-US" dirty="0"/>
               <a:t>2</a:t>
             </a:r>
-            <a:endParaRPr lang="en-US" dirty="0"/>
           </a:p>
         </p:txBody>
       </p:sp>
@@ -1540,10 +1528,9 @@
           <a:lstStyle/>
           <a:p>
             <a:r>
-              <a:rPr lang="en-US" dirty="0" smtClean="0"/>
+              <a:rPr lang="en-US" dirty="0"/>
               <a:t>3</a:t>
             </a:r>
-            <a:endParaRPr lang="en-US" dirty="0"/>
           </a:p>
         </p:txBody>
       </p:sp>
@@ -1628,18 +1615,17 @@
           <a:lstStyle/>
           <a:p>
             <a:r>
-              <a:rPr lang="en-US" dirty="0" smtClean="0"/>
+              <a:rPr lang="en-US" dirty="0"/>
               <a:t>1 “Learn by doing” IDEAL: 15:00</a:t>
             </a:r>
             <a:r>
-              <a:rPr lang="en-US" smtClean="0"/>
+              <a:rPr lang="en-US"/>
               <a:t>, latest </a:t>
             </a:r>
             <a:r>
-              <a:rPr lang="en-US" dirty="0" smtClean="0"/>
+              <a:rPr lang="en-US" dirty="0"/>
               <a:t>TARGET = 22:00</a:t>
             </a:r>
-            <a:endParaRPr lang="en-US" dirty="0"/>
           </a:p>
         </p:txBody>
       </p:sp>
@@ -1724,10 +1710,9 @@
           <a:lstStyle/>
           <a:p>
             <a:r>
-              <a:rPr lang="en-US" dirty="0" smtClean="0"/>
+              <a:rPr lang="en-US" dirty="0"/>
               <a:t>8</a:t>
             </a:r>
-            <a:endParaRPr lang="en-US" dirty="0"/>
           </a:p>
         </p:txBody>
       </p:sp>
@@ -1812,10 +1797,9 @@
           <a:lstStyle/>
           <a:p>
             <a:r>
-              <a:rPr lang="en-US" dirty="0" smtClean="0"/>
+              <a:rPr lang="en-US" dirty="0"/>
               <a:t>4</a:t>
             </a:r>
-            <a:endParaRPr lang="en-US" dirty="0"/>
           </a:p>
         </p:txBody>
       </p:sp>
@@ -1900,10 +1884,9 @@
           <a:lstStyle/>
           <a:p>
             <a:r>
-              <a:rPr lang="en-US" dirty="0" smtClean="0"/>
+              <a:rPr lang="en-US" dirty="0"/>
               <a:t>6</a:t>
             </a:r>
-            <a:endParaRPr lang="en-US" dirty="0"/>
           </a:p>
         </p:txBody>
       </p:sp>
@@ -1988,10 +1971,9 @@
           <a:lstStyle/>
           <a:p>
             <a:r>
-              <a:rPr lang="en-US" dirty="0" smtClean="0"/>
+              <a:rPr lang="en-US" dirty="0"/>
               <a:t>3</a:t>
             </a:r>
-            <a:endParaRPr lang="en-US" dirty="0"/>
           </a:p>
         </p:txBody>
       </p:sp>
@@ -2076,10 +2058,9 @@
           <a:lstStyle/>
           <a:p>
             <a:r>
-              <a:rPr lang="en-US" dirty="0" smtClean="0"/>
+              <a:rPr lang="en-US" dirty="0"/>
               <a:t>3</a:t>
             </a:r>
-            <a:endParaRPr lang="en-US" dirty="0"/>
           </a:p>
         </p:txBody>
       </p:sp>
@@ -2164,11 +2145,11 @@
           <a:lstStyle/>
           <a:p>
             <a:r>
-              <a:rPr lang="en-US" dirty="0" smtClean="0"/>
+              <a:rPr lang="en-US" dirty="0"/>
               <a:t>1 – TARGET = 54:00</a:t>
             </a:r>
             <a:r>
-              <a:rPr lang="en-US" baseline="0" dirty="0" smtClean="0"/>
+              <a:rPr lang="en-US" baseline="0" dirty="0"/>
               <a:t>, else -1 min each slide</a:t>
             </a:r>
             <a:endParaRPr lang="en-US" dirty="0"/>
@@ -2256,10 +2237,9 @@
           <a:lstStyle/>
           <a:p>
             <a:r>
-              <a:rPr lang="en-US" dirty="0" smtClean="0"/>
+              <a:rPr lang="en-US" dirty="0"/>
               <a:t>6</a:t>
             </a:r>
-            <a:endParaRPr lang="en-US" dirty="0"/>
           </a:p>
         </p:txBody>
       </p:sp>
@@ -2344,10 +2324,9 @@
           <a:lstStyle/>
           <a:p>
             <a:r>
-              <a:rPr lang="en-US" dirty="0" smtClean="0"/>
+              <a:rPr lang="en-US" dirty="0"/>
               <a:t>6</a:t>
             </a:r>
-            <a:endParaRPr lang="en-US" dirty="0"/>
           </a:p>
         </p:txBody>
       </p:sp>
@@ -2432,10 +2411,9 @@
           <a:lstStyle/>
           <a:p>
             <a:r>
-              <a:rPr lang="en-US" dirty="0" smtClean="0"/>
+              <a:rPr lang="en-US" dirty="0"/>
               <a:t>6</a:t>
             </a:r>
-            <a:endParaRPr lang="en-US" dirty="0"/>
           </a:p>
         </p:txBody>
       </p:sp>
@@ -2520,10 +2498,9 @@
           <a:lstStyle/>
           <a:p>
             <a:r>
-              <a:rPr lang="en-US" dirty="0" smtClean="0"/>
+              <a:rPr lang="en-US" dirty="0"/>
               <a:t>3</a:t>
             </a:r>
-            <a:endParaRPr lang="en-US" dirty="0"/>
           </a:p>
         </p:txBody>
       </p:sp>
@@ -2608,10 +2585,9 @@
           <a:lstStyle/>
           <a:p>
             <a:r>
-              <a:rPr lang="en-US" dirty="0" smtClean="0"/>
+              <a:rPr lang="en-US" dirty="0"/>
               <a:t>6</a:t>
             </a:r>
-            <a:endParaRPr lang="en-US" dirty="0"/>
           </a:p>
         </p:txBody>
       </p:sp>
@@ -2696,10 +2672,9 @@
           <a:lstStyle/>
           <a:p>
             <a:r>
-              <a:rPr lang="en-US" dirty="0" smtClean="0"/>
+              <a:rPr lang="en-US" dirty="0"/>
               <a:t>6</a:t>
             </a:r>
-            <a:endParaRPr lang="en-US" dirty="0"/>
           </a:p>
         </p:txBody>
       </p:sp>
@@ -2784,11 +2759,11 @@
           <a:lstStyle/>
           <a:p>
             <a:r>
-              <a:rPr lang="en-US" dirty="0" smtClean="0"/>
+              <a:rPr lang="en-US" dirty="0"/>
               <a:t>You’re only going to get the JavaScript you need to start working in D3, you won’t get even</a:t>
             </a:r>
             <a:r>
-              <a:rPr lang="en-US" baseline="0" dirty="0" smtClean="0"/>
+              <a:rPr lang="en-US" baseline="0" dirty="0"/>
               <a:t> close to a working grasp of the language at it’s full capacity</a:t>
             </a:r>
             <a:endParaRPr lang="en-US" dirty="0"/>
@@ -2876,10 +2851,9 @@
           <a:lstStyle/>
           <a:p>
             <a:r>
-              <a:rPr lang="en-US" dirty="0" smtClean="0"/>
+              <a:rPr lang="en-US" dirty="0"/>
               <a:t>2</a:t>
             </a:r>
-            <a:endParaRPr lang="en-US" dirty="0"/>
           </a:p>
         </p:txBody>
       </p:sp>
@@ -2964,10 +2938,9 @@
           <a:lstStyle/>
           <a:p>
             <a:r>
-              <a:rPr lang="en-US" dirty="0" smtClean="0"/>
+              <a:rPr lang="en-US" dirty="0"/>
               <a:t>8, 6 &amp; 2</a:t>
             </a:r>
-            <a:endParaRPr lang="en-US" dirty="0"/>
           </a:p>
         </p:txBody>
       </p:sp>
@@ -3052,22 +3025,22 @@
           <a:lstStyle/>
           <a:p>
             <a:r>
-              <a:rPr lang="en-US" dirty="0" smtClean="0"/>
+              <a:rPr lang="en-US" dirty="0"/>
               <a:t>Explain generic functions, a thing in </a:t>
             </a:r>
             <a:r>
-              <a:rPr lang="en-US" dirty="0" err="1" smtClean="0"/>
+              <a:rPr lang="en-US" dirty="0" err="1"/>
               <a:t>javascript</a:t>
             </a:r>
-            <a:endParaRPr lang="en-US" dirty="0" smtClean="0"/>
-          </a:p>
-          <a:p>
-            <a:r>
-              <a:rPr lang="en-US" dirty="0" smtClean="0"/>
+            <a:endParaRPr lang="en-US" dirty="0"/>
+          </a:p>
+          <a:p>
+            <a:r>
+              <a:rPr lang="en-US" dirty="0"/>
               <a:t>Console.log(this) and d and </a:t>
             </a:r>
             <a:r>
-              <a:rPr lang="en-US" dirty="0" err="1" smtClean="0"/>
+              <a:rPr lang="en-US" dirty="0" err="1"/>
               <a:t>i</a:t>
             </a:r>
             <a:endParaRPr lang="en-US" dirty="0"/>
@@ -3155,10 +3128,9 @@
           <a:lstStyle/>
           <a:p>
             <a:r>
-              <a:rPr lang="en-US" dirty="0" smtClean="0"/>
+              <a:rPr lang="en-US" dirty="0"/>
               <a:t>3</a:t>
             </a:r>
-            <a:endParaRPr lang="en-US" dirty="0"/>
           </a:p>
         </p:txBody>
       </p:sp>
@@ -3243,10 +3215,9 @@
           <a:lstStyle/>
           <a:p>
             <a:r>
-              <a:rPr lang="en-US" dirty="0" smtClean="0"/>
+              <a:rPr lang="en-US" dirty="0"/>
               <a:t>3</a:t>
             </a:r>
-            <a:endParaRPr lang="en-US" dirty="0"/>
           </a:p>
         </p:txBody>
       </p:sp>
@@ -3336,7 +3307,7 @@
           </a:lstStyle>
           <a:p>
             <a:r>
-              <a:rPr lang="en-US" smtClean="0"/>
+              <a:rPr lang="en-US"/>
               <a:t>Click to edit Master title style</a:t>
             </a:r>
             <a:endParaRPr lang="en-US" dirty="0"/>
@@ -3401,7 +3372,7 @@
           </a:lstStyle>
           <a:p>
             <a:r>
-              <a:rPr lang="en-US" smtClean="0"/>
+              <a:rPr lang="en-US"/>
               <a:t>Click to edit Master subtitle style</a:t>
             </a:r>
             <a:endParaRPr lang="en-US" dirty="0"/>
@@ -3425,7 +3396,7 @@
           <a:p>
             <a:fld id="{C336076D-836C-44D8-B1E0-272F963C7580}" type="datetimeFigureOut">
               <a:rPr lang="en-US" smtClean="0"/>
-              <a:t>4/3/2018</a:t>
+              <a:t>1/12/23</a:t>
             </a:fld>
             <a:endParaRPr lang="en-US"/>
           </a:p>
@@ -3527,7 +3498,7 @@
           <a:lstStyle/>
           <a:p>
             <a:r>
-              <a:rPr lang="en-US" smtClean="0"/>
+              <a:rPr lang="en-US"/>
               <a:t>Click to edit Master title style</a:t>
             </a:r>
             <a:endParaRPr lang="en-US" dirty="0"/>
@@ -3551,35 +3522,35 @@
           <a:p>
             <a:pPr lvl="0"/>
             <a:r>
-              <a:rPr lang="en-US" smtClean="0"/>
+              <a:rPr lang="en-US"/>
               <a:t>Edit Master text styles</a:t>
             </a:r>
           </a:p>
           <a:p>
             <a:pPr lvl="1"/>
             <a:r>
-              <a:rPr lang="en-US" smtClean="0"/>
+              <a:rPr lang="en-US"/>
               <a:t>Second level</a:t>
             </a:r>
           </a:p>
           <a:p>
             <a:pPr lvl="2"/>
             <a:r>
-              <a:rPr lang="en-US" smtClean="0"/>
+              <a:rPr lang="en-US"/>
               <a:t>Third level</a:t>
             </a:r>
           </a:p>
           <a:p>
             <a:pPr lvl="3"/>
             <a:r>
-              <a:rPr lang="en-US" smtClean="0"/>
+              <a:rPr lang="en-US"/>
               <a:t>Fourth level</a:t>
             </a:r>
           </a:p>
           <a:p>
             <a:pPr lvl="4"/>
             <a:r>
-              <a:rPr lang="en-US" smtClean="0"/>
+              <a:rPr lang="en-US"/>
               <a:t>Fifth level</a:t>
             </a:r>
             <a:endParaRPr lang="en-US" dirty="0"/>
@@ -3603,7 +3574,7 @@
           <a:p>
             <a:fld id="{C336076D-836C-44D8-B1E0-272F963C7580}" type="datetimeFigureOut">
               <a:rPr lang="en-US" smtClean="0"/>
-              <a:t>4/3/2018</a:t>
+              <a:t>1/12/23</a:t>
             </a:fld>
             <a:endParaRPr lang="en-US"/>
           </a:p>
@@ -3710,7 +3681,7 @@
           <a:lstStyle/>
           <a:p>
             <a:r>
-              <a:rPr lang="en-US" smtClean="0"/>
+              <a:rPr lang="en-US"/>
               <a:t>Click to edit Master title style</a:t>
             </a:r>
             <a:endParaRPr lang="en-US" dirty="0"/>
@@ -3739,35 +3710,35 @@
           <a:p>
             <a:pPr lvl="0"/>
             <a:r>
-              <a:rPr lang="en-US" smtClean="0"/>
+              <a:rPr lang="en-US"/>
               <a:t>Edit Master text styles</a:t>
             </a:r>
           </a:p>
           <a:p>
             <a:pPr lvl="1"/>
             <a:r>
-              <a:rPr lang="en-US" smtClean="0"/>
+              <a:rPr lang="en-US"/>
               <a:t>Second level</a:t>
             </a:r>
           </a:p>
           <a:p>
             <a:pPr lvl="2"/>
             <a:r>
-              <a:rPr lang="en-US" smtClean="0"/>
+              <a:rPr lang="en-US"/>
               <a:t>Third level</a:t>
             </a:r>
           </a:p>
           <a:p>
             <a:pPr lvl="3"/>
             <a:r>
-              <a:rPr lang="en-US" smtClean="0"/>
+              <a:rPr lang="en-US"/>
               <a:t>Fourth level</a:t>
             </a:r>
           </a:p>
           <a:p>
             <a:pPr lvl="4"/>
             <a:r>
-              <a:rPr lang="en-US" smtClean="0"/>
+              <a:rPr lang="en-US"/>
               <a:t>Fifth level</a:t>
             </a:r>
             <a:endParaRPr lang="en-US" dirty="0"/>
@@ -3791,7 +3762,7 @@
           <a:p>
             <a:fld id="{C336076D-836C-44D8-B1E0-272F963C7580}" type="datetimeFigureOut">
               <a:rPr lang="en-US" smtClean="0"/>
-              <a:t>4/3/2018</a:t>
+              <a:t>1/12/23</a:t>
             </a:fld>
             <a:endParaRPr lang="en-US"/>
           </a:p>
@@ -3893,7 +3864,7 @@
           <a:lstStyle/>
           <a:p>
             <a:r>
-              <a:rPr lang="en-US" smtClean="0"/>
+              <a:rPr lang="en-US"/>
               <a:t>Click to edit Master title style</a:t>
             </a:r>
             <a:endParaRPr lang="en-US" dirty="0"/>
@@ -3917,35 +3888,35 @@
           <a:p>
             <a:pPr lvl="0"/>
             <a:r>
-              <a:rPr lang="en-US" smtClean="0"/>
+              <a:rPr lang="en-US"/>
               <a:t>Edit Master text styles</a:t>
             </a:r>
           </a:p>
           <a:p>
             <a:pPr lvl="1"/>
             <a:r>
-              <a:rPr lang="en-US" smtClean="0"/>
+              <a:rPr lang="en-US"/>
               <a:t>Second level</a:t>
             </a:r>
           </a:p>
           <a:p>
             <a:pPr lvl="2"/>
             <a:r>
-              <a:rPr lang="en-US" smtClean="0"/>
+              <a:rPr lang="en-US"/>
               <a:t>Third level</a:t>
             </a:r>
           </a:p>
           <a:p>
             <a:pPr lvl="3"/>
             <a:r>
-              <a:rPr lang="en-US" smtClean="0"/>
+              <a:rPr lang="en-US"/>
               <a:t>Fourth level</a:t>
             </a:r>
           </a:p>
           <a:p>
             <a:pPr lvl="4"/>
             <a:r>
-              <a:rPr lang="en-US" smtClean="0"/>
+              <a:rPr lang="en-US"/>
               <a:t>Fifth level</a:t>
             </a:r>
             <a:endParaRPr lang="en-US" dirty="0"/>
@@ -3969,7 +3940,7 @@
           <a:p>
             <a:fld id="{C336076D-836C-44D8-B1E0-272F963C7580}" type="datetimeFigureOut">
               <a:rPr lang="en-US" smtClean="0"/>
-              <a:t>4/3/2018</a:t>
+              <a:t>1/12/23</a:t>
             </a:fld>
             <a:endParaRPr lang="en-US"/>
           </a:p>
@@ -4080,7 +4051,7 @@
           </a:lstStyle>
           <a:p>
             <a:r>
-              <a:rPr lang="en-US" smtClean="0"/>
+              <a:rPr lang="en-US"/>
               <a:t>Click to edit Master title style</a:t>
             </a:r>
             <a:endParaRPr lang="en-US" dirty="0"/>
@@ -4200,7 +4171,7 @@
           <a:p>
             <a:pPr lvl="0"/>
             <a:r>
-              <a:rPr lang="en-US" smtClean="0"/>
+              <a:rPr lang="en-US"/>
               <a:t>Edit Master text styles</a:t>
             </a:r>
           </a:p>
@@ -4223,7 +4194,7 @@
           <a:p>
             <a:fld id="{C336076D-836C-44D8-B1E0-272F963C7580}" type="datetimeFigureOut">
               <a:rPr lang="en-US" smtClean="0"/>
-              <a:t>4/3/2018</a:t>
+              <a:t>1/12/23</a:t>
             </a:fld>
             <a:endParaRPr lang="en-US"/>
           </a:p>
@@ -4325,7 +4296,7 @@
           <a:lstStyle/>
           <a:p>
             <a:r>
-              <a:rPr lang="en-US" smtClean="0"/>
+              <a:rPr lang="en-US"/>
               <a:t>Click to edit Master title style</a:t>
             </a:r>
             <a:endParaRPr lang="en-US" dirty="0"/>
@@ -4354,35 +4325,35 @@
           <a:p>
             <a:pPr lvl="0"/>
             <a:r>
-              <a:rPr lang="en-US" smtClean="0"/>
+              <a:rPr lang="en-US"/>
               <a:t>Edit Master text styles</a:t>
             </a:r>
           </a:p>
           <a:p>
             <a:pPr lvl="1"/>
             <a:r>
-              <a:rPr lang="en-US" smtClean="0"/>
+              <a:rPr lang="en-US"/>
               <a:t>Second level</a:t>
             </a:r>
           </a:p>
           <a:p>
             <a:pPr lvl="2"/>
             <a:r>
-              <a:rPr lang="en-US" smtClean="0"/>
+              <a:rPr lang="en-US"/>
               <a:t>Third level</a:t>
             </a:r>
           </a:p>
           <a:p>
             <a:pPr lvl="3"/>
             <a:r>
-              <a:rPr lang="en-US" smtClean="0"/>
+              <a:rPr lang="en-US"/>
               <a:t>Fourth level</a:t>
             </a:r>
           </a:p>
           <a:p>
             <a:pPr lvl="4"/>
             <a:r>
-              <a:rPr lang="en-US" smtClean="0"/>
+              <a:rPr lang="en-US"/>
               <a:t>Fifth level</a:t>
             </a:r>
             <a:endParaRPr lang="en-US" dirty="0"/>
@@ -4411,35 +4382,35 @@
           <a:p>
             <a:pPr lvl="0"/>
             <a:r>
-              <a:rPr lang="en-US" smtClean="0"/>
+              <a:rPr lang="en-US"/>
               <a:t>Edit Master text styles</a:t>
             </a:r>
           </a:p>
           <a:p>
             <a:pPr lvl="1"/>
             <a:r>
-              <a:rPr lang="en-US" smtClean="0"/>
+              <a:rPr lang="en-US"/>
               <a:t>Second level</a:t>
             </a:r>
           </a:p>
           <a:p>
             <a:pPr lvl="2"/>
             <a:r>
-              <a:rPr lang="en-US" smtClean="0"/>
+              <a:rPr lang="en-US"/>
               <a:t>Third level</a:t>
             </a:r>
           </a:p>
           <a:p>
             <a:pPr lvl="3"/>
             <a:r>
-              <a:rPr lang="en-US" smtClean="0"/>
+              <a:rPr lang="en-US"/>
               <a:t>Fourth level</a:t>
             </a:r>
           </a:p>
           <a:p>
             <a:pPr lvl="4"/>
             <a:r>
-              <a:rPr lang="en-US" smtClean="0"/>
+              <a:rPr lang="en-US"/>
               <a:t>Fifth level</a:t>
             </a:r>
             <a:endParaRPr lang="en-US" dirty="0"/>
@@ -4463,7 +4434,7 @@
           <a:p>
             <a:fld id="{C336076D-836C-44D8-B1E0-272F963C7580}" type="datetimeFigureOut">
               <a:rPr lang="en-US" smtClean="0"/>
-              <a:t>4/3/2018</a:t>
+              <a:t>1/12/23</a:t>
             </a:fld>
             <a:endParaRPr lang="en-US"/>
           </a:p>
@@ -4570,7 +4541,7 @@
           <a:lstStyle/>
           <a:p>
             <a:r>
-              <a:rPr lang="en-US" smtClean="0"/>
+              <a:rPr lang="en-US"/>
               <a:t>Click to edit Master title style</a:t>
             </a:r>
             <a:endParaRPr lang="en-US" dirty="0"/>
@@ -4636,7 +4607,7 @@
           <a:p>
             <a:pPr lvl="0"/>
             <a:r>
-              <a:rPr lang="en-US" smtClean="0"/>
+              <a:rPr lang="en-US"/>
               <a:t>Edit Master text styles</a:t>
             </a:r>
           </a:p>
@@ -4664,35 +4635,35 @@
           <a:p>
             <a:pPr lvl="0"/>
             <a:r>
-              <a:rPr lang="en-US" smtClean="0"/>
+              <a:rPr lang="en-US"/>
               <a:t>Edit Master text styles</a:t>
             </a:r>
           </a:p>
           <a:p>
             <a:pPr lvl="1"/>
             <a:r>
-              <a:rPr lang="en-US" smtClean="0"/>
+              <a:rPr lang="en-US"/>
               <a:t>Second level</a:t>
             </a:r>
           </a:p>
           <a:p>
             <a:pPr lvl="2"/>
             <a:r>
-              <a:rPr lang="en-US" smtClean="0"/>
+              <a:rPr lang="en-US"/>
               <a:t>Third level</a:t>
             </a:r>
           </a:p>
           <a:p>
             <a:pPr lvl="3"/>
             <a:r>
-              <a:rPr lang="en-US" smtClean="0"/>
+              <a:rPr lang="en-US"/>
               <a:t>Fourth level</a:t>
             </a:r>
           </a:p>
           <a:p>
             <a:pPr lvl="4"/>
             <a:r>
-              <a:rPr lang="en-US" smtClean="0"/>
+              <a:rPr lang="en-US"/>
               <a:t>Fifth level</a:t>
             </a:r>
             <a:endParaRPr lang="en-US" dirty="0"/>
@@ -4758,7 +4729,7 @@
           <a:p>
             <a:pPr lvl="0"/>
             <a:r>
-              <a:rPr lang="en-US" smtClean="0"/>
+              <a:rPr lang="en-US"/>
               <a:t>Edit Master text styles</a:t>
             </a:r>
           </a:p>
@@ -4786,35 +4757,35 @@
           <a:p>
             <a:pPr lvl="0"/>
             <a:r>
-              <a:rPr lang="en-US" smtClean="0"/>
+              <a:rPr lang="en-US"/>
               <a:t>Edit Master text styles</a:t>
             </a:r>
           </a:p>
           <a:p>
             <a:pPr lvl="1"/>
             <a:r>
-              <a:rPr lang="en-US" smtClean="0"/>
+              <a:rPr lang="en-US"/>
               <a:t>Second level</a:t>
             </a:r>
           </a:p>
           <a:p>
             <a:pPr lvl="2"/>
             <a:r>
-              <a:rPr lang="en-US" smtClean="0"/>
+              <a:rPr lang="en-US"/>
               <a:t>Third level</a:t>
             </a:r>
           </a:p>
           <a:p>
             <a:pPr lvl="3"/>
             <a:r>
-              <a:rPr lang="en-US" smtClean="0"/>
+              <a:rPr lang="en-US"/>
               <a:t>Fourth level</a:t>
             </a:r>
           </a:p>
           <a:p>
             <a:pPr lvl="4"/>
             <a:r>
-              <a:rPr lang="en-US" smtClean="0"/>
+              <a:rPr lang="en-US"/>
               <a:t>Fifth level</a:t>
             </a:r>
             <a:endParaRPr lang="en-US" dirty="0"/>
@@ -4838,7 +4809,7 @@
           <a:p>
             <a:fld id="{C336076D-836C-44D8-B1E0-272F963C7580}" type="datetimeFigureOut">
               <a:rPr lang="en-US" smtClean="0"/>
-              <a:t>4/3/2018</a:t>
+              <a:t>1/12/23</a:t>
             </a:fld>
             <a:endParaRPr lang="en-US"/>
           </a:p>
@@ -4940,7 +4911,7 @@
           <a:lstStyle/>
           <a:p>
             <a:r>
-              <a:rPr lang="en-US" smtClean="0"/>
+              <a:rPr lang="en-US"/>
               <a:t>Click to edit Master title style</a:t>
             </a:r>
             <a:endParaRPr lang="en-US" dirty="0"/>
@@ -4964,7 +4935,7 @@
           <a:p>
             <a:fld id="{C336076D-836C-44D8-B1E0-272F963C7580}" type="datetimeFigureOut">
               <a:rPr lang="en-US" smtClean="0"/>
-              <a:t>4/3/2018</a:t>
+              <a:t>1/12/23</a:t>
             </a:fld>
             <a:endParaRPr lang="en-US"/>
           </a:p>
@@ -5067,7 +5038,7 @@
           <a:p>
             <a:fld id="{C336076D-836C-44D8-B1E0-272F963C7580}" type="datetimeFigureOut">
               <a:rPr lang="en-US" smtClean="0"/>
-              <a:t>4/3/2018</a:t>
+              <a:t>1/12/23</a:t>
             </a:fld>
             <a:endParaRPr lang="en-US"/>
           </a:p>
@@ -5178,7 +5149,7 @@
           </a:lstStyle>
           <a:p>
             <a:r>
-              <a:rPr lang="en-US" smtClean="0"/>
+              <a:rPr lang="en-US"/>
               <a:t>Click to edit Master title style</a:t>
             </a:r>
             <a:endParaRPr lang="en-US" dirty="0"/>
@@ -5235,35 +5206,35 @@
           <a:p>
             <a:pPr lvl="0"/>
             <a:r>
-              <a:rPr lang="en-US" smtClean="0"/>
+              <a:rPr lang="en-US"/>
               <a:t>Edit Master text styles</a:t>
             </a:r>
           </a:p>
           <a:p>
             <a:pPr lvl="1"/>
             <a:r>
-              <a:rPr lang="en-US" smtClean="0"/>
+              <a:rPr lang="en-US"/>
               <a:t>Second level</a:t>
             </a:r>
           </a:p>
           <a:p>
             <a:pPr lvl="2"/>
             <a:r>
-              <a:rPr lang="en-US" smtClean="0"/>
+              <a:rPr lang="en-US"/>
               <a:t>Third level</a:t>
             </a:r>
           </a:p>
           <a:p>
             <a:pPr lvl="3"/>
             <a:r>
-              <a:rPr lang="en-US" smtClean="0"/>
+              <a:rPr lang="en-US"/>
               <a:t>Fourth level</a:t>
             </a:r>
           </a:p>
           <a:p>
             <a:pPr lvl="4"/>
             <a:r>
-              <a:rPr lang="en-US" smtClean="0"/>
+              <a:rPr lang="en-US"/>
               <a:t>Fifth level</a:t>
             </a:r>
             <a:endParaRPr lang="en-US" dirty="0"/>
@@ -5329,7 +5300,7 @@
           <a:p>
             <a:pPr lvl="0"/>
             <a:r>
-              <a:rPr lang="en-US" smtClean="0"/>
+              <a:rPr lang="en-US"/>
               <a:t>Edit Master text styles</a:t>
             </a:r>
           </a:p>
@@ -5352,7 +5323,7 @@
           <a:p>
             <a:fld id="{C336076D-836C-44D8-B1E0-272F963C7580}" type="datetimeFigureOut">
               <a:rPr lang="en-US" smtClean="0"/>
-              <a:t>4/3/2018</a:t>
+              <a:t>1/12/23</a:t>
             </a:fld>
             <a:endParaRPr lang="en-US"/>
           </a:p>
@@ -5463,7 +5434,7 @@
           </a:lstStyle>
           <a:p>
             <a:r>
-              <a:rPr lang="en-US" smtClean="0"/>
+              <a:rPr lang="en-US"/>
               <a:t>Click to edit Master title style</a:t>
             </a:r>
             <a:endParaRPr lang="en-US" dirty="0"/>
@@ -5528,7 +5499,7 @@
           </a:lstStyle>
           <a:p>
             <a:r>
-              <a:rPr lang="en-US" smtClean="0"/>
+              <a:rPr lang="en-US"/>
               <a:t>Click icon to add picture</a:t>
             </a:r>
             <a:endParaRPr lang="en-US" dirty="0"/>
@@ -5594,7 +5565,7 @@
           <a:p>
             <a:pPr lvl="0"/>
             <a:r>
-              <a:rPr lang="en-US" smtClean="0"/>
+              <a:rPr lang="en-US"/>
               <a:t>Edit Master text styles</a:t>
             </a:r>
           </a:p>
@@ -5617,7 +5588,7 @@
           <a:p>
             <a:fld id="{C336076D-836C-44D8-B1E0-272F963C7580}" type="datetimeFigureOut">
               <a:rPr lang="en-US" smtClean="0"/>
-              <a:t>4/3/2018</a:t>
+              <a:t>1/12/23</a:t>
             </a:fld>
             <a:endParaRPr lang="en-US"/>
           </a:p>
@@ -5729,7 +5700,7 @@
           <a:lstStyle/>
           <a:p>
             <a:r>
-              <a:rPr lang="en-US" smtClean="0"/>
+              <a:rPr lang="en-US"/>
               <a:t>Click to edit Master title style</a:t>
             </a:r>
             <a:endParaRPr lang="en-US" dirty="0"/>
@@ -5763,35 +5734,35 @@
           <a:p>
             <a:pPr lvl="0"/>
             <a:r>
-              <a:rPr lang="en-US" smtClean="0"/>
+              <a:rPr lang="en-US"/>
               <a:t>Edit Master text styles</a:t>
             </a:r>
           </a:p>
           <a:p>
             <a:pPr lvl="1"/>
             <a:r>
-              <a:rPr lang="en-US" smtClean="0"/>
+              <a:rPr lang="en-US"/>
               <a:t>Second level</a:t>
             </a:r>
           </a:p>
           <a:p>
             <a:pPr lvl="2"/>
             <a:r>
-              <a:rPr lang="en-US" smtClean="0"/>
+              <a:rPr lang="en-US"/>
               <a:t>Third level</a:t>
             </a:r>
           </a:p>
           <a:p>
             <a:pPr lvl="3"/>
             <a:r>
-              <a:rPr lang="en-US" smtClean="0"/>
+              <a:rPr lang="en-US"/>
               <a:t>Fourth level</a:t>
             </a:r>
           </a:p>
           <a:p>
             <a:pPr lvl="4"/>
             <a:r>
-              <a:rPr lang="en-US" smtClean="0"/>
+              <a:rPr lang="en-US"/>
               <a:t>Fifth level</a:t>
             </a:r>
             <a:endParaRPr lang="en-US" dirty="0"/>
@@ -5833,7 +5804,7 @@
           <a:p>
             <a:fld id="{C336076D-836C-44D8-B1E0-272F963C7580}" type="datetimeFigureOut">
               <a:rPr lang="en-US" smtClean="0"/>
-              <a:t>4/3/2018</a:t>
+              <a:t>1/12/23</a:t>
             </a:fld>
             <a:endParaRPr lang="en-US"/>
           </a:p>
@@ -6254,25 +6225,16 @@
           <a:lstStyle/>
           <a:p>
             <a:r>
-              <a:rPr lang="en-US" sz="4400" i="1" dirty="0" smtClean="0"/>
+              <a:rPr lang="en-US" sz="4400" i="1" dirty="0"/>
               <a:t>Welcome to:</a:t>
             </a:r>
-            <a:r>
-              <a:rPr lang="en-US" dirty="0" smtClean="0"/>
-              <a:t/>
-            </a:r>
             <a:br>
-              <a:rPr lang="en-US" dirty="0" smtClean="0"/>
+              <a:rPr lang="en-US" dirty="0"/>
             </a:br>
             <a:r>
               <a:rPr lang="en-US" dirty="0"/>
-              <a:t> </a:t>
-            </a:r>
-            <a:r>
-              <a:rPr lang="en-US" dirty="0" smtClean="0"/>
-              <a:t>Visualization with D3</a:t>
-            </a:r>
-            <a:endParaRPr lang="en-US" dirty="0"/>
+              <a:t> Visualization with D3</a:t>
+            </a:r>
           </a:p>
         </p:txBody>
       </p:sp>
@@ -6292,10 +6254,9 @@
           <a:lstStyle/>
           <a:p>
             <a:r>
-              <a:rPr lang="en-US" dirty="0" smtClean="0"/>
+              <a:rPr lang="en-US" dirty="0"/>
               <a:t>Frank Elavsky, Data Visualization Specialist, NUIT</a:t>
             </a:r>
-            <a:endParaRPr lang="en-US" dirty="0"/>
           </a:p>
         </p:txBody>
       </p:sp>
@@ -6309,13 +6270,6 @@
   <p:clrMapOvr>
     <a:masterClrMapping/>
   </p:clrMapOvr>
-  <p:timing>
-    <p:tnLst>
-      <p:par>
-        <p:cTn id="1" dur="indefinite" restart="never" nodeType="tmRoot"/>
-      </p:par>
-    </p:tnLst>
-  </p:timing>
 </p:sld>
 </file>
 
@@ -6352,10 +6306,9 @@
           <a:lstStyle/>
           <a:p>
             <a:r>
-              <a:rPr lang="en-US" dirty="0" smtClean="0"/>
+              <a:rPr lang="en-US" dirty="0"/>
               <a:t>This Repo:</a:t>
             </a:r>
-            <a:endParaRPr lang="en-US" dirty="0"/>
           </a:p>
         </p:txBody>
       </p:sp>
@@ -6371,12 +6324,22 @@
         </p:nvSpPr>
         <p:spPr/>
         <p:txBody>
-          <a:bodyPr/>
-          <a:lstStyle/>
-          <a:p>
-            <a:r>
-              <a:rPr lang="en-US" dirty="0"/>
-              <a:t>https://github.com/nuitrcs/Intro_to_d3_workshop</a:t>
+          <a:bodyPr>
+            <a:normAutofit/>
+          </a:bodyPr>
+          <a:lstStyle/>
+          <a:p>
+            <a:r>
+              <a:rPr lang="en-US" sz="6000" dirty="0"/>
+              <a:t>https://</a:t>
+            </a:r>
+            <a:r>
+              <a:rPr lang="en-US" sz="6000" dirty="0" err="1"/>
+              <a:t>bit.ly</a:t>
+            </a:r>
+            <a:r>
+              <a:rPr lang="en-US" sz="6000" dirty="0"/>
+              <a:t>/intro_to_d3 </a:t>
             </a:r>
           </a:p>
         </p:txBody>
@@ -6391,13 +6354,6 @@
   <p:clrMapOvr>
     <a:masterClrMapping/>
   </p:clrMapOvr>
-  <p:timing>
-    <p:tnLst>
-      <p:par>
-        <p:cTn id="1" dur="indefinite" restart="never" nodeType="tmRoot"/>
-      </p:par>
-    </p:tnLst>
-  </p:timing>
 </p:sld>
 </file>
 
@@ -6439,18 +6395,17 @@
           <a:lstStyle/>
           <a:p>
             <a:r>
-              <a:rPr lang="en-US" dirty="0" smtClean="0"/>
+              <a:rPr lang="en-US" dirty="0"/>
               <a:t>Before I say anything, write </a:t>
             </a:r>
             <a:r>
-              <a:rPr lang="en-US" i="1" dirty="0" smtClean="0"/>
+              <a:rPr lang="en-US" i="1" dirty="0"/>
               <a:t>this</a:t>
             </a:r>
             <a:r>
-              <a:rPr lang="en-US" dirty="0" smtClean="0"/>
+              <a:rPr lang="en-US" dirty="0"/>
               <a:t> down:</a:t>
             </a:r>
-            <a:endParaRPr lang="en-US" dirty="0"/>
           </a:p>
         </p:txBody>
       </p:sp>
@@ -6480,18 +6435,17 @@
               <a:buNone/>
             </a:pPr>
             <a:r>
-              <a:rPr lang="en-US" sz="10800" dirty="0" smtClean="0"/>
+              <a:rPr lang="en-US" sz="10800" dirty="0"/>
               <a:t>console.log(</a:t>
             </a:r>
             <a:r>
-              <a:rPr lang="en-US" sz="10800" i="1" dirty="0" smtClean="0"/>
+              <a:rPr lang="en-US" sz="10800" i="1" dirty="0"/>
               <a:t>this</a:t>
             </a:r>
             <a:r>
-              <a:rPr lang="en-US" sz="10800" dirty="0" smtClean="0"/>
+              <a:rPr lang="en-US" sz="10800" dirty="0"/>
               <a:t>)</a:t>
             </a:r>
-            <a:endParaRPr lang="en-US" sz="10800" dirty="0"/>
           </a:p>
         </p:txBody>
       </p:sp>
@@ -6505,13 +6459,6 @@
   <p:clrMapOvr>
     <a:masterClrMapping/>
   </p:clrMapOvr>
-  <p:timing>
-    <p:tnLst>
-      <p:par>
-        <p:cTn id="1" dur="indefinite" restart="never" nodeType="tmRoot"/>
-      </p:par>
-    </p:tnLst>
-  </p:timing>
 </p:sld>
 </file>
 
@@ -6550,29 +6497,24 @@
           <a:lstStyle/>
           <a:p>
             <a:r>
-              <a:rPr lang="en-US" sz="8900" dirty="0" smtClean="0"/>
+              <a:rPr lang="en-US" sz="8900" dirty="0"/>
               <a:t>console.log(</a:t>
             </a:r>
             <a:r>
-              <a:rPr lang="en-US" sz="8900" i="1" dirty="0" smtClean="0"/>
+              <a:rPr lang="en-US" sz="8900" i="1" dirty="0"/>
               <a:t>this</a:t>
             </a:r>
             <a:r>
-              <a:rPr lang="en-US" sz="8900" dirty="0" smtClean="0"/>
+              <a:rPr lang="en-US" sz="8900" dirty="0"/>
               <a:t>) </a:t>
             </a:r>
-            <a:r>
-              <a:rPr lang="en-US" dirty="0" smtClean="0"/>
-              <a:t/>
-            </a:r>
             <a:br>
-              <a:rPr lang="en-US" dirty="0" smtClean="0"/>
+              <a:rPr lang="en-US" dirty="0"/>
             </a:br>
             <a:r>
-              <a:rPr lang="en-US" sz="4800" dirty="0" smtClean="0"/>
+              <a:rPr lang="en-US" sz="4800" dirty="0"/>
               <a:t>is your most powerful weapon</a:t>
             </a:r>
-            <a:endParaRPr lang="en-US" sz="4800" dirty="0"/>
           </a:p>
         </p:txBody>
       </p:sp>
@@ -6599,25 +6541,25 @@
           <a:lstStyle/>
           <a:p>
             <a:r>
-              <a:rPr lang="en-US" sz="2800" dirty="0" smtClean="0"/>
+              <a:rPr lang="en-US" sz="2800" dirty="0"/>
               <a:t>Use it. All the time. </a:t>
             </a:r>
           </a:p>
           <a:p>
             <a:r>
-              <a:rPr lang="en-US" sz="2800" dirty="0" smtClean="0"/>
+              <a:rPr lang="en-US" sz="2800" dirty="0"/>
               <a:t>It is your 6</a:t>
             </a:r>
             <a:r>
-              <a:rPr lang="en-US" sz="2800" baseline="30000" dirty="0" smtClean="0"/>
+              <a:rPr lang="en-US" sz="2800" baseline="30000" dirty="0"/>
               <a:t>th</a:t>
             </a:r>
             <a:r>
-              <a:rPr lang="en-US" sz="2800" dirty="0" smtClean="0"/>
+              <a:rPr lang="en-US" sz="2800" dirty="0"/>
               <a:t> sense in frontend development: it lets you ‘see’ where you are in your code and the DOM. It is your eyes into your scope, your selections, and your </a:t>
             </a:r>
             <a:r>
-              <a:rPr lang="en-US" sz="2800" i="1" dirty="0" smtClean="0"/>
+              <a:rPr lang="en-US" sz="2800" i="1" dirty="0"/>
               <a:t>life.</a:t>
             </a:r>
             <a:endParaRPr lang="en-US" sz="2800" dirty="0"/>
@@ -6634,13 +6576,6 @@
   <p:clrMapOvr>
     <a:masterClrMapping/>
   </p:clrMapOvr>
-  <p:timing>
-    <p:tnLst>
-      <p:par>
-        <p:cTn id="1" dur="indefinite" restart="never" nodeType="tmRoot"/>
-      </p:par>
-    </p:tnLst>
-  </p:timing>
 </p:sld>
 </file>
 
@@ -6677,10 +6612,9 @@
           <a:lstStyle/>
           <a:p>
             <a:r>
-              <a:rPr lang="en-US" dirty="0" smtClean="0"/>
+              <a:rPr lang="en-US" dirty="0"/>
               <a:t>Getting Started:</a:t>
             </a:r>
-            <a:endParaRPr lang="en-US" dirty="0"/>
           </a:p>
         </p:txBody>
       </p:sp>
@@ -6700,18 +6634,14 @@
           <a:lstStyle/>
           <a:p>
             <a:r>
-              <a:rPr lang="en-US" dirty="0" smtClean="0"/>
+              <a:rPr lang="en-US" dirty="0"/>
               <a:t>Task #1: Get your tools</a:t>
             </a:r>
           </a:p>
           <a:p>
             <a:r>
-              <a:rPr lang="en-US" dirty="0" smtClean="0"/>
-              <a:t>Get </a:t>
-            </a:r>
-            <a:r>
-              <a:rPr lang="en-US" dirty="0"/>
-              <a:t>a text editor: </a:t>
+              <a:rPr lang="en-US" dirty="0"/>
+              <a:t>Get a text editor: </a:t>
             </a:r>
             <a:r>
               <a:rPr lang="en-US" b="1" dirty="0"/>
@@ -6719,54 +6649,49 @@
             </a:r>
             <a:r>
               <a:rPr lang="en-US" dirty="0"/>
-              <a:t>, Atom, Notepad++, or </a:t>
-            </a:r>
-            <a:r>
-              <a:rPr lang="en-US" dirty="0" smtClean="0"/>
-              <a:t>Brackets</a:t>
-            </a:r>
-          </a:p>
-          <a:p>
-            <a:r>
-              <a:rPr lang="en-US" dirty="0" smtClean="0"/>
+              <a:t>, Atom, Notepad++, or Brackets</a:t>
+            </a:r>
+          </a:p>
+          <a:p>
+            <a:r>
+              <a:rPr lang="en-US" dirty="0"/>
               <a:t>Make sure you have either </a:t>
             </a:r>
             <a:r>
-              <a:rPr lang="en-US" b="1" dirty="0" smtClean="0"/>
+              <a:rPr lang="en-US" b="1" dirty="0"/>
               <a:t>Chrome </a:t>
             </a:r>
             <a:r>
-              <a:rPr lang="en-US" dirty="0" smtClean="0"/>
+              <a:rPr lang="en-US" dirty="0"/>
               <a:t>or Firefox</a:t>
             </a:r>
           </a:p>
           <a:p>
-            <a:endParaRPr lang="en-US" dirty="0" smtClean="0"/>
-          </a:p>
-          <a:p>
-            <a:r>
-              <a:rPr lang="en-US" dirty="0" smtClean="0"/>
+            <a:endParaRPr lang="en-US" dirty="0"/>
+          </a:p>
+          <a:p>
+            <a:r>
+              <a:rPr lang="en-US" dirty="0"/>
               <a:t>Task #2: Open your stuff</a:t>
             </a:r>
-            <a:endParaRPr lang="en-US" dirty="0"/>
-          </a:p>
-          <a:p>
-            <a:r>
-              <a:rPr lang="en-US" dirty="0" smtClean="0"/>
+          </a:p>
+          <a:p>
+            <a:r>
+              <a:rPr lang="en-US" dirty="0"/>
               <a:t>Open the “barchart_ready.html” file in your </a:t>
             </a:r>
             <a:r>
-              <a:rPr lang="en-US" b="1" dirty="0" smtClean="0"/>
+              <a:rPr lang="en-US" b="1" dirty="0"/>
               <a:t>browser</a:t>
             </a:r>
           </a:p>
           <a:p>
             <a:r>
-              <a:rPr lang="en-US" dirty="0" smtClean="0"/>
+              <a:rPr lang="en-US" dirty="0"/>
               <a:t>Open the “barchart_ready.html” file in your </a:t>
             </a:r>
             <a:r>
-              <a:rPr lang="en-US" b="1" dirty="0" smtClean="0"/>
+              <a:rPr lang="en-US" b="1" dirty="0"/>
               <a:t>text editor</a:t>
             </a:r>
           </a:p>
@@ -6785,13 +6710,6 @@
   <p:clrMapOvr>
     <a:masterClrMapping/>
   </p:clrMapOvr>
-  <p:timing>
-    <p:tnLst>
-      <p:par>
-        <p:cTn id="1" dur="indefinite" restart="never" nodeType="tmRoot"/>
-      </p:par>
-    </p:tnLst>
-  </p:timing>
 </p:sld>
 </file>
 
@@ -6828,50 +6746,48 @@
           <a:lstStyle/>
           <a:p>
             <a:r>
-              <a:rPr lang="en-US" dirty="0" smtClean="0"/>
+              <a:rPr lang="en-US" dirty="0"/>
               <a:t>A note about this dev environment</a:t>
             </a:r>
+          </a:p>
+        </p:txBody>
+      </p:sp>
+      <p:sp>
+        <p:nvSpPr>
+          <p:cNvPr id="3" name="Content Placeholder 2"/>
+          <p:cNvSpPr>
+            <a:spLocks noGrp="1"/>
+          </p:cNvSpPr>
+          <p:nvPr>
+            <p:ph idx="1"/>
+          </p:nvPr>
+        </p:nvSpPr>
+        <p:spPr/>
+        <p:txBody>
+          <a:bodyPr/>
+          <a:lstStyle/>
+          <a:p>
+            <a:r>
+              <a:rPr lang="en-US" dirty="0"/>
+              <a:t>I will not be teaching: IDEs, task-runners, </a:t>
+            </a:r>
+            <a:r>
+              <a:rPr lang="en-US" dirty="0" err="1"/>
+              <a:t>linting</a:t>
+            </a:r>
+            <a:r>
+              <a:rPr lang="en-US" dirty="0"/>
+              <a:t>, sass, frameworks, or anything that you might want to consider in a full production environment</a:t>
+            </a:r>
+          </a:p>
+          <a:p>
             <a:endParaRPr lang="en-US" dirty="0"/>
           </a:p>
-        </p:txBody>
-      </p:sp>
-      <p:sp>
-        <p:nvSpPr>
-          <p:cNvPr id="3" name="Content Placeholder 2"/>
-          <p:cNvSpPr>
-            <a:spLocks noGrp="1"/>
-          </p:cNvSpPr>
-          <p:nvPr>
-            <p:ph idx="1"/>
-          </p:nvPr>
-        </p:nvSpPr>
-        <p:spPr/>
-        <p:txBody>
-          <a:bodyPr/>
-          <a:lstStyle/>
-          <a:p>
-            <a:r>
-              <a:rPr lang="en-US" dirty="0" smtClean="0"/>
-              <a:t>I will not be teaching: IDEs, task-runners, </a:t>
-            </a:r>
-            <a:r>
-              <a:rPr lang="en-US" dirty="0" err="1" smtClean="0"/>
-              <a:t>linting</a:t>
-            </a:r>
-            <a:r>
-              <a:rPr lang="en-US" dirty="0" smtClean="0"/>
-              <a:t>, sass, frameworks, or anything that you might want to consider in a full production environment</a:t>
-            </a:r>
-          </a:p>
-          <a:p>
-            <a:endParaRPr lang="en-US" dirty="0"/>
-          </a:p>
-          <a:p>
-            <a:r>
-              <a:rPr lang="en-US" dirty="0" smtClean="0"/>
+          <a:p>
+            <a:r>
+              <a:rPr lang="en-US" dirty="0"/>
               <a:t>Why? Because those are beyond even the intro ‘10’ hour tutorials for JS. These are not within the scope of what we are learning – which is how to create things in D3.</a:t>
             </a:r>
-            <a:endParaRPr lang="en-US" dirty="0"/>
           </a:p>
         </p:txBody>
       </p:sp>
@@ -6885,13 +6801,6 @@
   <p:clrMapOvr>
     <a:masterClrMapping/>
   </p:clrMapOvr>
-  <p:timing>
-    <p:tnLst>
-      <p:par>
-        <p:cTn id="1" dur="indefinite" restart="never" nodeType="tmRoot"/>
-      </p:par>
-    </p:tnLst>
-  </p:timing>
 </p:sld>
 </file>
 
@@ -6928,18 +6837,17 @@
           <a:lstStyle/>
           <a:p>
             <a:r>
-              <a:rPr lang="en-US" dirty="0" smtClean="0"/>
+              <a:rPr lang="en-US" dirty="0"/>
               <a:t>Task #3: Some </a:t>
             </a:r>
             <a:r>
-              <a:rPr lang="en-US" i="1" dirty="0" smtClean="0"/>
+              <a:rPr lang="en-US" i="1" dirty="0"/>
               <a:t>library-level</a:t>
             </a:r>
             <a:r>
-              <a:rPr lang="en-US" dirty="0" smtClean="0"/>
+              <a:rPr lang="en-US" dirty="0"/>
               <a:t> JavaScript</a:t>
             </a:r>
-            <a:endParaRPr lang="en-US" dirty="0"/>
           </a:p>
         </p:txBody>
       </p:sp>
@@ -6959,7 +6867,7 @@
           <a:lstStyle/>
           <a:p>
             <a:r>
-              <a:rPr lang="en-US" dirty="0" smtClean="0"/>
+              <a:rPr lang="en-US" dirty="0"/>
               <a:t>Open ‘controller.js’ in your text editor, let’s walk through this</a:t>
             </a:r>
           </a:p>
@@ -6975,13 +6883,6 @@
   <p:clrMapOvr>
     <a:masterClrMapping/>
   </p:clrMapOvr>
-  <p:timing>
-    <p:tnLst>
-      <p:par>
-        <p:cTn id="1" dur="indefinite" restart="never" nodeType="tmRoot"/>
-      </p:par>
-    </p:tnLst>
-  </p:timing>
 </p:sld>
 </file>
 
@@ -7018,10 +6919,9 @@
           <a:lstStyle/>
           <a:p>
             <a:r>
-              <a:rPr lang="en-US" dirty="0" smtClean="0"/>
+              <a:rPr lang="en-US" dirty="0"/>
               <a:t>Task #4: Understanding AJAX failures</a:t>
             </a:r>
-            <a:endParaRPr lang="en-US" dirty="0"/>
           </a:p>
         </p:txBody>
       </p:sp>
@@ -7041,17 +6941,17 @@
           <a:lstStyle/>
           <a:p>
             <a:r>
-              <a:rPr lang="en-US" dirty="0" smtClean="0"/>
+              <a:rPr lang="en-US" dirty="0"/>
               <a:t>Open ‘barchart.html’ in </a:t>
             </a:r>
             <a:r>
-              <a:rPr lang="en-US" b="1" dirty="0" smtClean="0"/>
+              <a:rPr lang="en-US" b="1" dirty="0"/>
               <a:t>CHROME</a:t>
             </a:r>
           </a:p>
           <a:p>
             <a:r>
-              <a:rPr lang="en-US" dirty="0" smtClean="0"/>
+              <a:rPr lang="en-US" dirty="0"/>
               <a:t>Open the inspector to read the error message</a:t>
             </a:r>
           </a:p>
@@ -7067,13 +6967,6 @@
   <p:clrMapOvr>
     <a:masterClrMapping/>
   </p:clrMapOvr>
-  <p:timing>
-    <p:tnLst>
-      <p:par>
-        <p:cTn id="1" dur="indefinite" restart="never" nodeType="tmRoot"/>
-      </p:par>
-    </p:tnLst>
-  </p:timing>
 </p:sld>
 </file>
 
@@ -7110,10 +7003,9 @@
           <a:lstStyle/>
           <a:p>
             <a:r>
-              <a:rPr lang="en-US" dirty="0" smtClean="0"/>
+              <a:rPr lang="en-US" dirty="0"/>
               <a:t>Task #5: Setting up a local server</a:t>
             </a:r>
-            <a:endParaRPr lang="en-US" dirty="0"/>
           </a:p>
         </p:txBody>
       </p:sp>
@@ -7140,7 +7032,7 @@
           <a:lstStyle/>
           <a:p>
             <a:r>
-              <a:rPr lang="en-US" dirty="0" smtClean="0"/>
+              <a:rPr lang="en-US" dirty="0"/>
               <a:t>Node.js:</a:t>
             </a:r>
           </a:p>
@@ -7150,15 +7042,15 @@
               <a:buAutoNum type="arabicPeriod"/>
             </a:pPr>
             <a:r>
-              <a:rPr lang="en-US" dirty="0" smtClean="0"/>
+              <a:rPr lang="en-US" dirty="0"/>
               <a:t>From command line: </a:t>
             </a:r>
             <a:r>
-              <a:rPr lang="en-US" dirty="0" err="1" smtClean="0"/>
+              <a:rPr lang="en-US" dirty="0" err="1"/>
               <a:t>npm</a:t>
             </a:r>
             <a:r>
-              <a:rPr lang="en-US" dirty="0" smtClean="0"/>
+              <a:rPr lang="en-US" dirty="0"/>
               <a:t> install http-server –g</a:t>
             </a:r>
           </a:p>
@@ -7168,7 +7060,7 @@
               <a:buAutoNum type="arabicPeriod"/>
             </a:pPr>
             <a:r>
-              <a:rPr lang="en-US" dirty="0" smtClean="0"/>
+              <a:rPr lang="en-US" dirty="0"/>
               <a:t>Run process.bat</a:t>
             </a:r>
           </a:p>
@@ -7176,11 +7068,7 @@
             <a:pPr lvl="1"/>
             <a:r>
               <a:rPr lang="en-US" sz="2000" dirty="0"/>
-              <a:t>Resource: https://</a:t>
-            </a:r>
-            <a:r>
-              <a:rPr lang="en-US" sz="2000" dirty="0" smtClean="0"/>
-              <a:t>github.com/indexzero/http-server</a:t>
+              <a:t>Resource: https://github.com/indexzero/http-server</a:t>
             </a:r>
           </a:p>
           <a:p>
@@ -7189,7 +7077,7 @@
           </a:p>
           <a:p>
             <a:r>
-              <a:rPr lang="en-US" dirty="0" smtClean="0"/>
+              <a:rPr lang="en-US" dirty="0"/>
               <a:t>Python</a:t>
             </a:r>
           </a:p>
@@ -7199,14 +7087,14 @@
               <a:buAutoNum type="arabicPeriod"/>
             </a:pPr>
             <a:r>
-              <a:rPr lang="en-US" dirty="0" smtClean="0"/>
+              <a:rPr lang="en-US" dirty="0"/>
               <a:t>Navigate to </a:t>
             </a:r>
             <a:r>
-              <a:rPr lang="en-US" dirty="0" err="1" smtClean="0"/>
+              <a:rPr lang="en-US" dirty="0" err="1"/>
               <a:t>dir</a:t>
             </a:r>
-            <a:endParaRPr lang="en-US" dirty="0" smtClean="0"/>
+            <a:endParaRPr lang="en-US" dirty="0"/>
           </a:p>
           <a:p>
             <a:pPr marL="914400" lvl="1" indent="-457200">
@@ -7214,30 +7102,30 @@
               <a:buAutoNum type="arabicPeriod"/>
             </a:pPr>
             <a:r>
-              <a:rPr lang="en-US" dirty="0" smtClean="0"/>
+              <a:rPr lang="en-US" dirty="0"/>
               <a:t>Run:</a:t>
             </a:r>
           </a:p>
           <a:p>
             <a:pPr lvl="2"/>
             <a:r>
-              <a:rPr lang="en-US" b="1" dirty="0" smtClean="0"/>
+              <a:rPr lang="en-US" b="1" dirty="0"/>
               <a:t>Python 3x: </a:t>
             </a:r>
             <a:r>
-              <a:rPr lang="en-US" dirty="0" smtClean="0"/>
+              <a:rPr lang="en-US" dirty="0"/>
               <a:t>python -m </a:t>
             </a:r>
             <a:r>
-              <a:rPr lang="en-US" dirty="0" err="1" smtClean="0"/>
+              <a:rPr lang="en-US" dirty="0" err="1"/>
               <a:t>http.server</a:t>
             </a:r>
-            <a:endParaRPr lang="en-US" dirty="0" smtClean="0"/>
+            <a:endParaRPr lang="en-US" dirty="0"/>
           </a:p>
           <a:p>
             <a:pPr lvl="2"/>
             <a:r>
-              <a:rPr lang="en-US" b="1" dirty="0" smtClean="0"/>
+              <a:rPr lang="en-US" b="1" dirty="0"/>
               <a:t>Python 2x: </a:t>
             </a:r>
             <a:r>
@@ -7245,22 +7133,17 @@
               <a:t>python -m </a:t>
             </a:r>
             <a:r>
-              <a:rPr lang="en-US" dirty="0" err="1" smtClean="0"/>
+              <a:rPr lang="en-US" dirty="0" err="1"/>
               <a:t>SimpleHTTPServer</a:t>
             </a:r>
-            <a:endParaRPr lang="en-US" dirty="0" smtClean="0"/>
+            <a:endParaRPr lang="en-US" dirty="0"/>
           </a:p>
           <a:p>
             <a:pPr lvl="1"/>
             <a:r>
               <a:rPr lang="en-US" sz="2000" dirty="0"/>
-              <a:t>Resource: https://</a:t>
-            </a:r>
-            <a:r>
-              <a:rPr lang="en-US" sz="2000" dirty="0" smtClean="0"/>
-              <a:t>developer.mozilla.org/en-US/docs/Learn/Common_questions/set_up_a_local_testing_server</a:t>
-            </a:r>
-            <a:endParaRPr lang="en-US" sz="2000" dirty="0"/>
+              <a:t>Resource: https://developer.mozilla.org/en-US/docs/Learn/Common_questions/set_up_a_local_testing_server</a:t>
+            </a:r>
           </a:p>
         </p:txBody>
       </p:sp>
@@ -7274,13 +7157,6 @@
   <p:clrMapOvr>
     <a:masterClrMapping/>
   </p:clrMapOvr>
-  <p:timing>
-    <p:tnLst>
-      <p:par>
-        <p:cTn id="1" dur="indefinite" restart="never" nodeType="tmRoot"/>
-      </p:par>
-    </p:tnLst>
-  </p:timing>
 </p:sld>
 </file>
 
@@ -7317,10 +7193,9 @@
           <a:lstStyle/>
           <a:p>
             <a:r>
-              <a:rPr lang="en-US" dirty="0" smtClean="0"/>
+              <a:rPr lang="en-US" dirty="0"/>
               <a:t>Port note:</a:t>
             </a:r>
-            <a:endParaRPr lang="en-US" dirty="0"/>
           </a:p>
         </p:txBody>
       </p:sp>
@@ -7342,7 +7217,7 @@
           <a:lstStyle/>
           <a:p>
             <a:r>
-              <a:rPr lang="en-US" dirty="0" smtClean="0"/>
+              <a:rPr lang="en-US" dirty="0"/>
               <a:t>You may need to specify a unique port number, if we all share an internal IP</a:t>
             </a:r>
           </a:p>
@@ -7353,24 +7228,12 @@
             </a:r>
             <a:r>
               <a:rPr lang="en-US" dirty="0"/>
-              <a:t>: call http-server -p </a:t>
-            </a:r>
-            <a:r>
-              <a:rPr lang="en-US" dirty="0" smtClean="0"/>
-              <a:t>9876 </a:t>
-            </a:r>
-            <a:r>
-              <a:rPr lang="en-US" dirty="0"/>
-              <a:t>-</a:t>
-            </a:r>
-            <a:r>
-              <a:rPr lang="en-US" dirty="0" smtClean="0"/>
-              <a:t>c-1</a:t>
-            </a:r>
-          </a:p>
-          <a:p>
-            <a:r>
-              <a:rPr lang="en-US" b="1" dirty="0" smtClean="0"/>
+              <a:t>: call http-server -p 9876 -c-1</a:t>
+            </a:r>
+          </a:p>
+          <a:p>
+            <a:r>
+              <a:rPr lang="en-US" b="1" dirty="0"/>
               <a:t>Python</a:t>
             </a:r>
             <a:r>
@@ -7383,13 +7246,8 @@
             </a:r>
             <a:r>
               <a:rPr lang="en-US" dirty="0"/>
-              <a:t> </a:t>
-            </a:r>
-            <a:r>
-              <a:rPr lang="en-US" dirty="0" smtClean="0"/>
-              <a:t>9876</a:t>
-            </a:r>
-            <a:endParaRPr lang="en-US" dirty="0"/>
+              <a:t> 9876</a:t>
+            </a:r>
           </a:p>
         </p:txBody>
       </p:sp>
@@ -7403,13 +7261,6 @@
   <p:clrMapOvr>
     <a:masterClrMapping/>
   </p:clrMapOvr>
-  <p:timing>
-    <p:tnLst>
-      <p:par>
-        <p:cTn id="1" dur="indefinite" restart="never" nodeType="tmRoot"/>
-      </p:par>
-    </p:tnLst>
-  </p:timing>
 </p:sld>
 </file>
 
@@ -7446,11 +7297,11 @@
           <a:lstStyle/>
           <a:p>
             <a:r>
-              <a:rPr lang="en-US" dirty="0" smtClean="0"/>
+              <a:rPr lang="en-US" dirty="0"/>
               <a:t>Task #6: Loading </a:t>
             </a:r>
             <a:r>
-              <a:rPr lang="en-US" dirty="0" err="1" smtClean="0"/>
+              <a:rPr lang="en-US" dirty="0" err="1"/>
               <a:t>Async</a:t>
             </a:r>
             <a:endParaRPr lang="en-US" dirty="0"/>
@@ -7494,7 +7345,7 @@
             </a:r>
           </a:p>
           <a:p>
-            <a:endParaRPr lang="en-US" dirty="0" smtClean="0"/>
+            <a:endParaRPr lang="en-US" dirty="0"/>
           </a:p>
           <a:p>
             <a:r>
@@ -7503,11 +7354,7 @@
             </a:r>
             <a:r>
               <a:rPr lang="en-US" b="1" dirty="0"/>
-              <a:t>http://</a:t>
-            </a:r>
-            <a:r>
-              <a:rPr lang="en-US" b="1" dirty="0" smtClean="0"/>
-              <a:t>localhost:[port]/ </a:t>
+              <a:t>http://localhost:[port]/ </a:t>
             </a:r>
             <a:r>
               <a:rPr lang="en-US" dirty="0"/>
@@ -7521,53 +7368,41 @@
           <a:p>
             <a:r>
               <a:rPr lang="en-US" dirty="0"/>
-              <a:t>Open the </a:t>
-            </a:r>
-            <a:r>
-              <a:rPr lang="en-US" dirty="0" smtClean="0"/>
-              <a:t>“index.html</a:t>
-            </a:r>
-            <a:r>
-              <a:rPr lang="en-US" dirty="0"/>
-              <a:t>” file in your </a:t>
+              <a:t>Open the “index.html” file in your </a:t>
             </a:r>
             <a:r>
               <a:rPr lang="en-US" b="1" dirty="0"/>
-              <a:t>text </a:t>
-            </a:r>
-            <a:r>
-              <a:rPr lang="en-US" b="1" dirty="0" smtClean="0"/>
-              <a:t>editor</a:t>
-            </a:r>
-          </a:p>
-          <a:p>
-            <a:endParaRPr lang="en-US" b="1" dirty="0" smtClean="0"/>
-          </a:p>
-          <a:p>
-            <a:r>
-              <a:rPr lang="en-US" dirty="0" smtClean="0"/>
+              <a:t>text editor</a:t>
+            </a:r>
+          </a:p>
+          <a:p>
+            <a:endParaRPr lang="en-US" b="1" dirty="0"/>
+          </a:p>
+          <a:p>
+            <a:r>
+              <a:rPr lang="en-US" dirty="0"/>
               <a:t>Observe differences between the two:</a:t>
             </a:r>
           </a:p>
           <a:p>
             <a:pPr lvl="1"/>
             <a:r>
-              <a:rPr lang="en-US" dirty="0" smtClean="0"/>
+              <a:rPr lang="en-US" dirty="0"/>
               <a:t>Data importing is different, odd JavaScript happens in barchart.html</a:t>
             </a:r>
           </a:p>
           <a:p>
             <a:pPr lvl="1"/>
             <a:r>
-              <a:rPr lang="en-US" dirty="0" smtClean="0"/>
+              <a:rPr lang="en-US" dirty="0"/>
               <a:t>A callback is used in barchart.html (this makes it </a:t>
             </a:r>
             <a:r>
-              <a:rPr lang="en-US" i="1" dirty="0" err="1" smtClean="0"/>
+              <a:rPr lang="en-US" i="1" dirty="0" err="1"/>
               <a:t>async</a:t>
             </a:r>
             <a:r>
-              <a:rPr lang="en-US" dirty="0" smtClean="0"/>
+              <a:rPr lang="en-US" dirty="0"/>
               <a:t>!)</a:t>
             </a:r>
           </a:p>
@@ -7587,13 +7422,6 @@
   <p:clrMapOvr>
     <a:masterClrMapping/>
   </p:clrMapOvr>
-  <p:timing>
-    <p:tnLst>
-      <p:par>
-        <p:cTn id="1" dur="indefinite" restart="never" nodeType="tmRoot"/>
-      </p:par>
-    </p:tnLst>
-  </p:timing>
 </p:sld>
 </file>
 
@@ -7630,21 +7458,16 @@
           <a:lstStyle/>
           <a:p>
             <a:r>
-              <a:rPr lang="en-US" sz="4400" i="1" dirty="0" smtClean="0"/>
+              <a:rPr lang="en-US" sz="4400" i="1" dirty="0"/>
               <a:t>Optional:</a:t>
             </a:r>
-            <a:r>
-              <a:rPr lang="en-US" dirty="0" smtClean="0"/>
-              <a:t/>
-            </a:r>
             <a:br>
-              <a:rPr lang="en-US" dirty="0" smtClean="0"/>
+              <a:rPr lang="en-US" dirty="0"/>
             </a:br>
             <a:r>
-              <a:rPr lang="en-US" dirty="0" smtClean="0"/>
+              <a:rPr lang="en-US" dirty="0"/>
               <a:t>Pre-Requisite JS:</a:t>
             </a:r>
-            <a:endParaRPr lang="en-US" dirty="0"/>
           </a:p>
         </p:txBody>
       </p:sp>
@@ -7664,10 +7487,9 @@
           <a:lstStyle/>
           <a:p>
             <a:r>
-              <a:rPr lang="en-US" dirty="0" smtClean="0"/>
+              <a:rPr lang="en-US" dirty="0"/>
               <a:t>Before we start into d3, let’s examine some JavaScript.</a:t>
             </a:r>
-            <a:endParaRPr lang="en-US" dirty="0"/>
           </a:p>
         </p:txBody>
       </p:sp>
@@ -7681,13 +7503,6 @@
   <p:clrMapOvr>
     <a:masterClrMapping/>
   </p:clrMapOvr>
-  <p:timing>
-    <p:tnLst>
-      <p:par>
-        <p:cTn id="1" dur="indefinite" restart="never" nodeType="tmRoot"/>
-      </p:par>
-    </p:tnLst>
-  </p:timing>
 </p:sld>
 </file>
 
@@ -7724,10 +7539,9 @@
           <a:lstStyle/>
           <a:p>
             <a:r>
-              <a:rPr lang="en-US" dirty="0" smtClean="0"/>
+              <a:rPr lang="en-US" dirty="0"/>
               <a:t>Task #7: Click Events – the easy way</a:t>
             </a:r>
-            <a:endParaRPr lang="en-US" dirty="0"/>
           </a:p>
         </p:txBody>
       </p:sp>
@@ -7765,13 +7579,6 @@
   <p:clrMapOvr>
     <a:masterClrMapping/>
   </p:clrMapOvr>
-  <p:timing>
-    <p:tnLst>
-      <p:par>
-        <p:cTn id="1" dur="indefinite" restart="never" nodeType="tmRoot"/>
-      </p:par>
-    </p:tnLst>
-  </p:timing>
 </p:sld>
 </file>
 
@@ -7808,18 +7615,17 @@
           <a:lstStyle/>
           <a:p>
             <a:r>
-              <a:rPr lang="en-US" dirty="0" smtClean="0"/>
+              <a:rPr lang="en-US" dirty="0"/>
               <a:t>Task #8: Add a new </a:t>
             </a:r>
             <a:r>
-              <a:rPr lang="en-US" dirty="0" err="1" smtClean="0"/>
+              <a:rPr lang="en-US" dirty="0" err="1"/>
               <a:t>javascript</a:t>
             </a:r>
             <a:r>
-              <a:rPr lang="en-US" dirty="0" smtClean="0"/>
+              <a:rPr lang="en-US" dirty="0"/>
               <a:t> file</a:t>
             </a:r>
-            <a:endParaRPr lang="en-US" dirty="0"/>
           </a:p>
         </p:txBody>
       </p:sp>
@@ -7857,13 +7663,6 @@
   <p:clrMapOvr>
     <a:masterClrMapping/>
   </p:clrMapOvr>
-  <p:timing>
-    <p:tnLst>
-      <p:par>
-        <p:cTn id="1" dur="indefinite" restart="never" nodeType="tmRoot"/>
-      </p:par>
-    </p:tnLst>
-  </p:timing>
 </p:sld>
 </file>
 
@@ -7900,10 +7699,9 @@
           <a:lstStyle/>
           <a:p>
             <a:r>
-              <a:rPr lang="en-US" dirty="0" smtClean="0"/>
+              <a:rPr lang="en-US" dirty="0"/>
               <a:t>Task #9: Selecting</a:t>
             </a:r>
-            <a:endParaRPr lang="en-US" dirty="0"/>
           </a:p>
         </p:txBody>
       </p:sp>
@@ -7941,13 +7739,6 @@
   <p:clrMapOvr>
     <a:masterClrMapping/>
   </p:clrMapOvr>
-  <p:timing>
-    <p:tnLst>
-      <p:par>
-        <p:cTn id="1" dur="indefinite" restart="never" nodeType="tmRoot"/>
-      </p:par>
-    </p:tnLst>
-  </p:timing>
 </p:sld>
 </file>
 
@@ -7984,10 +7775,9 @@
           <a:lstStyle/>
           <a:p>
             <a:r>
-              <a:rPr lang="en-US" dirty="0" smtClean="0"/>
+              <a:rPr lang="en-US" dirty="0"/>
               <a:t>Task #10: Looping over a selection</a:t>
             </a:r>
-            <a:endParaRPr lang="en-US" dirty="0"/>
           </a:p>
         </p:txBody>
       </p:sp>
@@ -8025,13 +7815,6 @@
   <p:clrMapOvr>
     <a:masterClrMapping/>
   </p:clrMapOvr>
-  <p:timing>
-    <p:tnLst>
-      <p:par>
-        <p:cTn id="1" dur="indefinite" restart="never" nodeType="tmRoot"/>
-      </p:par>
-    </p:tnLst>
-  </p:timing>
 </p:sld>
 </file>
 
@@ -8068,10 +7851,9 @@
           <a:lstStyle/>
           <a:p>
             <a:r>
-              <a:rPr lang="en-US" dirty="0" smtClean="0"/>
+              <a:rPr lang="en-US" dirty="0"/>
               <a:t>Task #11: Click events – the hard way</a:t>
             </a:r>
-            <a:endParaRPr lang="en-US" dirty="0"/>
           </a:p>
         </p:txBody>
       </p:sp>
@@ -8109,13 +7891,6 @@
   <p:clrMapOvr>
     <a:masterClrMapping/>
   </p:clrMapOvr>
-  <p:timing>
-    <p:tnLst>
-      <p:par>
-        <p:cTn id="1" dur="indefinite" restart="never" nodeType="tmRoot"/>
-      </p:par>
-    </p:tnLst>
-  </p:timing>
 </p:sld>
 </file>
 
@@ -8152,10 +7927,9 @@
           <a:lstStyle/>
           <a:p>
             <a:r>
-              <a:rPr lang="en-US" dirty="0" smtClean="0"/>
+              <a:rPr lang="en-US" dirty="0"/>
               <a:t>Task #12: Binding in a callback</a:t>
             </a:r>
-            <a:endParaRPr lang="en-US" dirty="0"/>
           </a:p>
         </p:txBody>
       </p:sp>
@@ -8175,10 +7949,9 @@
           <a:lstStyle/>
           <a:p>
             <a:r>
-              <a:rPr lang="en-US" dirty="0" smtClean="0"/>
+              <a:rPr lang="en-US" dirty="0"/>
               <a:t>(navigate to ‘async_controller.js’)</a:t>
             </a:r>
-            <a:endParaRPr lang="en-US" dirty="0"/>
           </a:p>
         </p:txBody>
       </p:sp>
@@ -8216,13 +7989,6 @@
   <p:clrMapOvr>
     <a:masterClrMapping/>
   </p:clrMapOvr>
-  <p:timing>
-    <p:tnLst>
-      <p:par>
-        <p:cTn id="1" dur="indefinite" restart="never" nodeType="tmRoot"/>
-      </p:par>
-    </p:tnLst>
-  </p:timing>
 </p:sld>
 </file>
 
@@ -8259,10 +8025,9 @@
           <a:lstStyle/>
           <a:p>
             <a:r>
-              <a:rPr lang="en-US" dirty="0" smtClean="0"/>
+              <a:rPr lang="en-US" dirty="0"/>
               <a:t>Questions?</a:t>
             </a:r>
-            <a:endParaRPr lang="en-US" dirty="0"/>
           </a:p>
         </p:txBody>
       </p:sp>
@@ -8289,66 +8054,66 @@
           <a:lstStyle/>
           <a:p>
             <a:r>
-              <a:rPr lang="en-US" dirty="0" smtClean="0"/>
+              <a:rPr lang="en-US" dirty="0"/>
               <a:t>Commonly asked JS:</a:t>
             </a:r>
           </a:p>
           <a:p>
             <a:pPr lvl="1"/>
             <a:r>
-              <a:rPr lang="en-US" dirty="0" smtClean="0"/>
+              <a:rPr lang="en-US" dirty="0"/>
               <a:t>What is </a:t>
             </a:r>
             <a:r>
-              <a:rPr lang="en-US" i="1" dirty="0" smtClean="0"/>
+              <a:rPr lang="en-US" i="1" dirty="0"/>
               <a:t>the</a:t>
             </a:r>
             <a:r>
-              <a:rPr lang="en-US" dirty="0" smtClean="0"/>
+              <a:rPr lang="en-US" dirty="0"/>
               <a:t> ‘development’ environment for JavaScript?</a:t>
             </a:r>
           </a:p>
           <a:p>
             <a:pPr lvl="1"/>
             <a:r>
-              <a:rPr lang="en-US" dirty="0" smtClean="0"/>
+              <a:rPr lang="en-US" dirty="0"/>
               <a:t>Is JavaScript compiled?</a:t>
             </a:r>
           </a:p>
           <a:p>
             <a:pPr lvl="1"/>
             <a:r>
-              <a:rPr lang="en-US" dirty="0" smtClean="0"/>
+              <a:rPr lang="en-US" dirty="0"/>
               <a:t>What is a </a:t>
             </a:r>
             <a:r>
-              <a:rPr lang="en-US" i="1" dirty="0" smtClean="0"/>
+              <a:rPr lang="en-US" i="1" dirty="0"/>
               <a:t>library</a:t>
             </a:r>
             <a:r>
-              <a:rPr lang="en-US" dirty="0" smtClean="0"/>
+              <a:rPr lang="en-US" dirty="0"/>
               <a:t> versus a </a:t>
             </a:r>
             <a:r>
-              <a:rPr lang="en-US" i="1" dirty="0" smtClean="0"/>
+              <a:rPr lang="en-US" i="1" dirty="0"/>
               <a:t>framework</a:t>
             </a:r>
             <a:r>
-              <a:rPr lang="en-US" dirty="0" smtClean="0"/>
+              <a:rPr lang="en-US" dirty="0"/>
               <a:t>? </a:t>
             </a:r>
           </a:p>
           <a:p>
             <a:pPr lvl="1"/>
             <a:r>
-              <a:rPr lang="en-US" dirty="0" smtClean="0"/>
+              <a:rPr lang="en-US" dirty="0"/>
               <a:t>What is an ‘API’? What is the ‘web API’?</a:t>
             </a:r>
           </a:p>
           <a:p>
             <a:pPr lvl="1"/>
             <a:r>
-              <a:rPr lang="en-US" dirty="0" smtClean="0"/>
+              <a:rPr lang="en-US" dirty="0"/>
               <a:t>Why is this all so complicated?</a:t>
             </a:r>
           </a:p>
@@ -8361,44 +8126,43 @@
           </a:p>
           <a:p>
             <a:pPr lvl="1"/>
-            <a:endParaRPr lang="en-US" dirty="0" smtClean="0"/>
-          </a:p>
-          <a:p>
-            <a:r>
-              <a:rPr lang="en-US" dirty="0" smtClean="0"/>
+            <a:endParaRPr lang="en-US" dirty="0"/>
+          </a:p>
+          <a:p>
+            <a:r>
+              <a:rPr lang="en-US" dirty="0"/>
               <a:t>Commonly asked D3:</a:t>
             </a:r>
           </a:p>
           <a:p>
             <a:pPr lvl="1"/>
             <a:r>
-              <a:rPr lang="en-US" dirty="0" smtClean="0"/>
+              <a:rPr lang="en-US" dirty="0"/>
               <a:t>Why would I ever use [sync]/[</a:t>
             </a:r>
             <a:r>
-              <a:rPr lang="en-US" dirty="0" err="1" smtClean="0"/>
+              <a:rPr lang="en-US" dirty="0" err="1"/>
               <a:t>async</a:t>
             </a:r>
             <a:r>
-              <a:rPr lang="en-US" dirty="0" smtClean="0"/>
+              <a:rPr lang="en-US" dirty="0"/>
               <a:t>]? </a:t>
             </a:r>
             <a:r>
-              <a:rPr lang="en-US" i="1" dirty="0" smtClean="0"/>
+              <a:rPr lang="en-US" i="1" dirty="0"/>
               <a:t>X</a:t>
             </a:r>
             <a:r>
-              <a:rPr lang="en-US" dirty="0" smtClean="0"/>
+              <a:rPr lang="en-US" dirty="0"/>
               <a:t> is obviously better.</a:t>
             </a:r>
           </a:p>
           <a:p>
             <a:pPr lvl="1"/>
             <a:r>
-              <a:rPr lang="en-US" dirty="0" smtClean="0"/>
+              <a:rPr lang="en-US" dirty="0"/>
               <a:t>Why is D3 so hard?</a:t>
             </a:r>
-            <a:endParaRPr lang="en-US" dirty="0"/>
           </a:p>
         </p:txBody>
       </p:sp>
@@ -8412,13 +8176,6 @@
   <p:clrMapOvr>
     <a:masterClrMapping/>
   </p:clrMapOvr>
-  <p:timing>
-    <p:tnLst>
-      <p:par>
-        <p:cTn id="1" dur="indefinite" restart="never" nodeType="tmRoot"/>
-      </p:par>
-    </p:tnLst>
-  </p:timing>
 </p:sld>
 </file>
 
@@ -8455,21 +8212,16 @@
           <a:lstStyle/>
           <a:p>
             <a:r>
-              <a:rPr lang="en-US" sz="4400" i="1" dirty="0" smtClean="0"/>
+              <a:rPr lang="en-US" sz="4400" i="1" dirty="0"/>
               <a:t>Now:</a:t>
             </a:r>
-            <a:r>
-              <a:rPr lang="en-US" dirty="0" smtClean="0"/>
-              <a:t/>
-            </a:r>
             <a:br>
-              <a:rPr lang="en-US" dirty="0" smtClean="0"/>
+              <a:rPr lang="en-US" dirty="0"/>
             </a:br>
             <a:r>
-              <a:rPr lang="en-US" dirty="0" smtClean="0"/>
+              <a:rPr lang="en-US" dirty="0"/>
               <a:t>Introduction to D3.js</a:t>
             </a:r>
-            <a:endParaRPr lang="en-US" dirty="0"/>
           </a:p>
         </p:txBody>
       </p:sp>
@@ -8489,10 +8241,9 @@
           <a:lstStyle/>
           <a:p>
             <a:r>
-              <a:rPr lang="en-US" dirty="0" smtClean="0"/>
+              <a:rPr lang="en-US" dirty="0"/>
               <a:t>Hands-on learning and plenty of resources.</a:t>
             </a:r>
-            <a:endParaRPr lang="en-US" dirty="0"/>
           </a:p>
         </p:txBody>
       </p:sp>
@@ -8506,13 +8257,6 @@
   <p:clrMapOvr>
     <a:masterClrMapping/>
   </p:clrMapOvr>
-  <p:timing>
-    <p:tnLst>
-      <p:par>
-        <p:cTn id="1" dur="indefinite" restart="never" nodeType="tmRoot"/>
-      </p:par>
-    </p:tnLst>
-  </p:timing>
 </p:sld>
 </file>
 
@@ -8557,10 +8301,9 @@
           <a:p>
             <a:pPr algn="l"/>
             <a:r>
-              <a:rPr lang="en-US" dirty="0" smtClean="0"/>
+              <a:rPr lang="en-US" dirty="0"/>
               <a:t>What is D3 capable of?</a:t>
             </a:r>
-            <a:endParaRPr lang="en-US" dirty="0"/>
           </a:p>
         </p:txBody>
       </p:sp>
@@ -8587,69 +8330,40 @@
             <a:pPr algn="l"/>
             <a:r>
               <a:rPr lang="en-US" dirty="0"/>
-              <a:t>https://</a:t>
-            </a:r>
-            <a:r>
-              <a:rPr lang="en-US" dirty="0" smtClean="0"/>
-              <a:t>ligo.northwestern.edu/media/mass-plot/index.html</a:t>
+              <a:t>https://ligo.northwestern.edu/media/mass-plot/index.html</a:t>
             </a:r>
           </a:p>
           <a:p>
             <a:pPr algn="l"/>
-            <a:endParaRPr lang="en-US" dirty="0" smtClean="0"/>
+            <a:endParaRPr lang="en-US" dirty="0"/>
           </a:p>
           <a:p>
             <a:pPr algn="l"/>
             <a:r>
-              <a:rPr lang="en-US" dirty="0" smtClean="0"/>
-              <a:t>http</a:t>
-            </a:r>
-            <a:r>
-              <a:rPr lang="en-US" dirty="0"/>
-              <a:t>://www.r2d3.us/visual-intro-to-machine-learning-part-1</a:t>
-            </a:r>
-            <a:r>
-              <a:rPr lang="en-US" dirty="0" smtClean="0"/>
-              <a:t>/</a:t>
+              <a:rPr lang="en-US" dirty="0"/>
+              <a:t>http://www.r2d3.us/visual-intro-to-machine-learning-part-1/</a:t>
             </a:r>
           </a:p>
           <a:p>
             <a:pPr algn="l"/>
             <a:r>
               <a:rPr lang="en-US" dirty="0"/>
-              <a:t>http://</a:t>
-            </a:r>
-            <a:r>
-              <a:rPr lang="en-US" dirty="0" smtClean="0"/>
-              <a:t>bit.ly/2wJEeIy</a:t>
+              <a:t>http://bit.ly/2wJEeIy</a:t>
             </a:r>
           </a:p>
           <a:p>
             <a:pPr algn="l"/>
             <a:r>
-              <a:rPr lang="en-US" dirty="0" smtClean="0"/>
+              <a:rPr lang="en-US" dirty="0"/>
               <a:t>http://nbremer.github.io/urbanization/</a:t>
             </a:r>
           </a:p>
           <a:p>
             <a:pPr algn="l"/>
             <a:r>
-              <a:rPr lang="en-US" dirty="0" smtClean="0"/>
-              <a:t>https</a:t>
-            </a:r>
-            <a:r>
-              <a:rPr lang="en-US" dirty="0"/>
-              <a:t>://</a:t>
-            </a:r>
-            <a:r>
-              <a:rPr lang="en-US" dirty="0" smtClean="0"/>
-              <a:t>www.nytimes.com/interactive/2014/upshot/buy-rent-calculator.htmlhttps</a:t>
-            </a:r>
-            <a:r>
-              <a:rPr lang="en-US" dirty="0"/>
-              <a:t>://bost.ocks.org/mike/algorithms/</a:t>
-            </a:r>
-            <a:endParaRPr lang="en-US" dirty="0" smtClean="0"/>
+              <a:rPr lang="en-US" dirty="0"/>
+              <a:t>https://www.nytimes.com/interactive/2014/upshot/buy-rent-calculator.htmlhttps://bost.ocks.org/mike/algorithms/</a:t>
+            </a:r>
           </a:p>
           <a:p>
             <a:pPr algn="l"/>
@@ -8667,13 +8381,6 @@
   <p:clrMapOvr>
     <a:masterClrMapping/>
   </p:clrMapOvr>
-  <p:timing>
-    <p:tnLst>
-      <p:par>
-        <p:cTn id="1" dur="indefinite" restart="never" nodeType="tmRoot"/>
-      </p:par>
-    </p:tnLst>
-  </p:timing>
 </p:sld>
 </file>
 
@@ -8710,10 +8417,9 @@
           <a:lstStyle/>
           <a:p>
             <a:r>
-              <a:rPr lang="en-US" dirty="0" smtClean="0"/>
+              <a:rPr lang="en-US" dirty="0"/>
               <a:t>But why is it so hard?</a:t>
             </a:r>
-            <a:endParaRPr lang="en-US" dirty="0"/>
           </a:p>
         </p:txBody>
       </p:sp>
@@ -8736,31 +8442,23 @@
               <a:buNone/>
             </a:pPr>
             <a:r>
-              <a:rPr lang="en-US" dirty="0" smtClean="0"/>
-              <a:t>Why not </a:t>
-            </a:r>
-            <a:r>
-              <a:rPr lang="en-US" dirty="0"/>
-              <a:t>just </a:t>
-            </a:r>
-            <a:r>
-              <a:rPr lang="en-US" dirty="0" smtClean="0"/>
-              <a:t>something like d3.call(</a:t>
-            </a:r>
-            <a:r>
-              <a:rPr lang="en-US" dirty="0" err="1" smtClean="0"/>
+              <a:rPr lang="en-US" dirty="0"/>
+              <a:t>Why not just something like d3.call(</a:t>
+            </a:r>
+            <a:r>
+              <a:rPr lang="en-US" dirty="0" err="1"/>
               <a:t>bargraph</a:t>
             </a:r>
             <a:r>
-              <a:rPr lang="en-US" dirty="0" smtClean="0"/>
+              <a:rPr lang="en-US" dirty="0"/>
               <a:t>).with(</a:t>
             </a:r>
             <a:r>
-              <a:rPr lang="en-US" dirty="0" err="1" smtClean="0"/>
+              <a:rPr lang="en-US" dirty="0" err="1"/>
               <a:t>my_data</a:t>
             </a:r>
             <a:r>
-              <a:rPr lang="en-US" dirty="0" smtClean="0"/>
+              <a:rPr lang="en-US" dirty="0"/>
               <a:t>)?</a:t>
             </a:r>
           </a:p>
@@ -8775,7 +8473,7 @@
               <a:buNone/>
             </a:pPr>
             <a:r>
-              <a:rPr lang="en-US" dirty="0" smtClean="0"/>
+              <a:rPr lang="en-US" dirty="0"/>
               <a:t>These solutions exist and you should use them when appropriate:</a:t>
             </a:r>
           </a:p>
@@ -8788,26 +8486,26 @@
               <a:t>	</a:t>
             </a:r>
             <a:r>
-              <a:rPr lang="en-US" dirty="0" err="1" smtClean="0"/>
+              <a:rPr lang="en-US" dirty="0" err="1"/>
               <a:t>vega</a:t>
             </a:r>
             <a:r>
-              <a:rPr lang="en-US" dirty="0" smtClean="0"/>
+              <a:rPr lang="en-US" dirty="0"/>
               <a:t>/</a:t>
             </a:r>
             <a:r>
-              <a:rPr lang="en-US" dirty="0" err="1" smtClean="0"/>
+              <a:rPr lang="en-US" dirty="0" err="1"/>
               <a:t>vega</a:t>
             </a:r>
             <a:r>
-              <a:rPr lang="en-US" dirty="0" smtClean="0"/>
+              <a:rPr lang="en-US" dirty="0"/>
               <a:t>-lite/</a:t>
             </a:r>
             <a:r>
-              <a:rPr lang="en-US" dirty="0" err="1" smtClean="0"/>
+              <a:rPr lang="en-US" dirty="0" err="1"/>
               <a:t>altair</a:t>
             </a:r>
-            <a:endParaRPr lang="en-US" dirty="0" smtClean="0"/>
+            <a:endParaRPr lang="en-US" dirty="0"/>
           </a:p>
           <a:p>
             <a:pPr marL="0" indent="0">
@@ -8818,10 +8516,10 @@
               <a:t>	</a:t>
             </a:r>
             <a:r>
-              <a:rPr lang="en-US" dirty="0" err="1" smtClean="0"/>
+              <a:rPr lang="en-US" dirty="0" err="1"/>
               <a:t>plotly</a:t>
             </a:r>
-            <a:endParaRPr lang="en-US" dirty="0" smtClean="0"/>
+            <a:endParaRPr lang="en-US" dirty="0"/>
           </a:p>
           <a:p>
             <a:pPr marL="0" indent="0">
@@ -8829,11 +8527,7 @@
             </a:pPr>
             <a:r>
               <a:rPr lang="en-US" dirty="0"/>
-              <a:t>	</a:t>
-            </a:r>
-            <a:r>
-              <a:rPr lang="en-US" dirty="0" smtClean="0"/>
-              <a:t>ggplot2</a:t>
+              <a:t>	ggplot2</a:t>
             </a:r>
           </a:p>
           <a:p>
@@ -8845,10 +8539,10 @@
               <a:t>	</a:t>
             </a:r>
             <a:r>
-              <a:rPr lang="en-US" dirty="0" err="1" smtClean="0"/>
+              <a:rPr lang="en-US" dirty="0" err="1"/>
               <a:t>matplotlib</a:t>
             </a:r>
-            <a:endParaRPr lang="en-US" dirty="0" smtClean="0"/>
+            <a:endParaRPr lang="en-US" dirty="0"/>
           </a:p>
         </p:txBody>
       </p:sp>
@@ -8862,13 +8556,6 @@
   <p:clrMapOvr>
     <a:masterClrMapping/>
   </p:clrMapOvr>
-  <p:timing>
-    <p:tnLst>
-      <p:par>
-        <p:cTn id="1" dur="indefinite" restart="never" nodeType="tmRoot"/>
-      </p:par>
-    </p:tnLst>
-  </p:timing>
 </p:sld>
 </file>
 
@@ -8905,7 +8592,7 @@
           <a:lstStyle/>
           <a:p>
             <a:r>
-              <a:rPr lang="en-US" sz="4400" i="1" dirty="0" smtClean="0"/>
+              <a:rPr lang="en-US" sz="4400" i="1" dirty="0"/>
               <a:t>Soul-Crusher</a:t>
             </a:r>
             <a:endParaRPr lang="en-US" dirty="0"/>
@@ -8941,13 +8628,6 @@
   <p:clrMapOvr>
     <a:masterClrMapping/>
   </p:clrMapOvr>
-  <p:timing>
-    <p:tnLst>
-      <p:par>
-        <p:cTn id="1" dur="indefinite" restart="never" nodeType="tmRoot"/>
-      </p:par>
-    </p:tnLst>
-  </p:timing>
 </p:sld>
 </file>
 
@@ -8989,10 +8669,9 @@
           <a:lstStyle/>
           <a:p>
             <a:r>
-              <a:rPr lang="en-US" dirty="0" smtClean="0"/>
+              <a:rPr lang="en-US" dirty="0"/>
               <a:t>Two very important things:</a:t>
             </a:r>
-            <a:endParaRPr lang="en-US" dirty="0"/>
           </a:p>
         </p:txBody>
       </p:sp>
@@ -9012,16 +8691,15 @@
           <a:lstStyle/>
           <a:p>
             <a:r>
-              <a:rPr lang="en-US" dirty="0" smtClean="0"/>
+              <a:rPr lang="en-US" dirty="0"/>
               <a:t>Binding data to the DOM</a:t>
             </a:r>
           </a:p>
           <a:p>
             <a:r>
-              <a:rPr lang="en-US" dirty="0" smtClean="0"/>
+              <a:rPr lang="en-US" dirty="0"/>
               <a:t>Low-level geometric expressiveness</a:t>
             </a:r>
-            <a:endParaRPr lang="en-US" dirty="0"/>
           </a:p>
         </p:txBody>
       </p:sp>
@@ -9059,13 +8737,6 @@
   <p:clrMapOvr>
     <a:masterClrMapping/>
   </p:clrMapOvr>
-  <p:timing>
-    <p:tnLst>
-      <p:par>
-        <p:cTn id="1" dur="indefinite" restart="never" nodeType="tmRoot"/>
-      </p:par>
-    </p:tnLst>
-  </p:timing>
 </p:sld>
 </file>
 
@@ -9102,10 +8773,9 @@
           <a:lstStyle/>
           <a:p>
             <a:r>
-              <a:rPr lang="en-US" dirty="0" smtClean="0"/>
+              <a:rPr lang="en-US" dirty="0"/>
               <a:t>Think of making a cake</a:t>
             </a:r>
-            <a:endParaRPr lang="en-US" dirty="0"/>
           </a:p>
         </p:txBody>
       </p:sp>
@@ -9125,10 +8795,9 @@
           <a:lstStyle/>
           <a:p>
             <a:r>
-              <a:rPr lang="en-US" dirty="0" smtClean="0"/>
+              <a:rPr lang="en-US" dirty="0"/>
               <a:t>How do most people do it?</a:t>
             </a:r>
-            <a:endParaRPr lang="en-US" dirty="0"/>
           </a:p>
         </p:txBody>
       </p:sp>
@@ -9142,13 +8811,6 @@
   <p:clrMapOvr>
     <a:masterClrMapping/>
   </p:clrMapOvr>
-  <p:timing>
-    <p:tnLst>
-      <p:par>
-        <p:cTn id="1" dur="indefinite" restart="never" nodeType="tmRoot"/>
-      </p:par>
-    </p:tnLst>
-  </p:timing>
 </p:sld>
 </file>
 
@@ -9190,10 +8852,9 @@
           <a:lstStyle/>
           <a:p>
             <a:r>
-              <a:rPr lang="en-US" dirty="0" smtClean="0"/>
+              <a:rPr lang="en-US" dirty="0"/>
               <a:t>Microsoft Excel</a:t>
             </a:r>
-            <a:endParaRPr lang="en-US" dirty="0"/>
           </a:p>
         </p:txBody>
       </p:sp>
@@ -9367,18 +9028,18 @@
           <a:lstStyle/>
           <a:p>
             <a:r>
-              <a:rPr lang="en-US" dirty="0" err="1" smtClean="0"/>
+              <a:rPr lang="en-US" dirty="0" err="1"/>
               <a:t>Plotly</a:t>
             </a:r>
             <a:r>
-              <a:rPr lang="en-US" dirty="0" smtClean="0"/>
+              <a:rPr lang="en-US" dirty="0"/>
               <a:t>, ggplot2,</a:t>
             </a:r>
             <a:br>
-              <a:rPr lang="en-US" dirty="0" smtClean="0"/>
+              <a:rPr lang="en-US" dirty="0"/>
             </a:br>
             <a:r>
-              <a:rPr lang="en-US" dirty="0" err="1" smtClean="0"/>
+              <a:rPr lang="en-US" dirty="0" err="1"/>
               <a:t>Matplotlib</a:t>
             </a:r>
             <a:endParaRPr lang="en-US" dirty="0"/>
@@ -9555,17 +9216,16 @@
           <a:lstStyle/>
           <a:p>
             <a:r>
-              <a:rPr lang="en-US" dirty="0" smtClean="0"/>
+              <a:rPr lang="en-US" dirty="0"/>
               <a:t>Tableau,</a:t>
             </a:r>
             <a:br>
-              <a:rPr lang="en-US" dirty="0" smtClean="0"/>
+              <a:rPr lang="en-US" dirty="0"/>
             </a:br>
             <a:r>
-              <a:rPr lang="en-US" dirty="0" smtClean="0"/>
+              <a:rPr lang="en-US" dirty="0"/>
               <a:t>Vega</a:t>
             </a:r>
-            <a:endParaRPr lang="en-US" dirty="0"/>
           </a:p>
         </p:txBody>
       </p:sp>
@@ -9737,10 +9397,9 @@
           <a:lstStyle/>
           <a:p>
             <a:r>
-              <a:rPr lang="en-US" dirty="0" smtClean="0"/>
+              <a:rPr lang="en-US" dirty="0"/>
               <a:t>D3 is tiramisu</a:t>
             </a:r>
-            <a:endParaRPr lang="en-US" dirty="0"/>
           </a:p>
         </p:txBody>
       </p:sp>
@@ -9912,17 +9571,16 @@
           <a:lstStyle/>
           <a:p>
             <a:r>
-              <a:rPr lang="en-US" dirty="0" smtClean="0"/>
+              <a:rPr lang="en-US" dirty="0"/>
               <a:t>Or whatever</a:t>
             </a:r>
             <a:br>
-              <a:rPr lang="en-US" dirty="0" smtClean="0"/>
+              <a:rPr lang="en-US" dirty="0"/>
             </a:br>
             <a:r>
-              <a:rPr lang="en-US" dirty="0" smtClean="0"/>
+              <a:rPr lang="en-US" dirty="0"/>
               <a:t>cake you want</a:t>
             </a:r>
-            <a:endParaRPr lang="en-US" dirty="0"/>
           </a:p>
         </p:txBody>
       </p:sp>
@@ -10089,10 +9747,9 @@
           <a:lstStyle/>
           <a:p>
             <a:r>
-              <a:rPr lang="en-US" dirty="0" smtClean="0"/>
+              <a:rPr lang="en-US" dirty="0"/>
               <a:t>“Boxed” cake is easy</a:t>
             </a:r>
-            <a:endParaRPr lang="en-US" dirty="0"/>
           </a:p>
         </p:txBody>
       </p:sp>
@@ -10117,28 +9774,28 @@
           <a:lstStyle/>
           <a:p>
             <a:r>
-              <a:rPr lang="en-US" dirty="0" smtClean="0"/>
+              <a:rPr lang="en-US" dirty="0"/>
               <a:t>Eggs + water + their pre-mixed flour, </a:t>
             </a:r>
           </a:p>
           <a:p>
             <a:r>
-              <a:rPr lang="en-US" dirty="0" smtClean="0"/>
+              <a:rPr lang="en-US" dirty="0"/>
               <a:t>Bake, </a:t>
             </a:r>
           </a:p>
           <a:p>
             <a:r>
-              <a:rPr lang="en-US" dirty="0" smtClean="0"/>
+              <a:rPr lang="en-US" dirty="0"/>
               <a:t>and then if you have the time: add frosting</a:t>
             </a:r>
           </a:p>
           <a:p>
-            <a:endParaRPr lang="en-US" dirty="0" smtClean="0"/>
-          </a:p>
-          <a:p>
-            <a:r>
-              <a:rPr lang="en-US" dirty="0" smtClean="0"/>
+            <a:endParaRPr lang="en-US" dirty="0"/>
+          </a:p>
+          <a:p>
+            <a:r>
+              <a:rPr lang="en-US" dirty="0"/>
               <a:t>In the end? Boring!</a:t>
             </a:r>
           </a:p>
@@ -10160,13 +9817,6 @@
   <p:clrMapOvr>
     <a:masterClrMapping/>
   </p:clrMapOvr>
-  <p:timing>
-    <p:tnLst>
-      <p:par>
-        <p:cTn id="1" dur="indefinite" restart="never" nodeType="tmRoot"/>
-      </p:par>
-    </p:tnLst>
-  </p:timing>
 </p:sld>
 </file>
 
@@ -10225,50 +9875,29 @@
           <a:lstStyle/>
           <a:p>
             <a:r>
-              <a:rPr lang="en-US" dirty="0" smtClean="0"/>
-              <a:t>You </a:t>
-            </a:r>
-            <a:r>
-              <a:rPr lang="en-US" dirty="0"/>
-              <a:t>have to think about each ingredient, its quality, its needs</a:t>
-            </a:r>
-          </a:p>
-          <a:p>
-            <a:r>
-              <a:rPr lang="en-US" dirty="0"/>
-              <a:t>You must imagine your end-result </a:t>
-            </a:r>
-            <a:r>
-              <a:rPr lang="en-US" dirty="0" smtClean="0"/>
-              <a:t>+ </a:t>
-            </a:r>
-            <a:r>
-              <a:rPr lang="en-US" dirty="0"/>
-              <a:t>find a useful recipe </a:t>
-            </a:r>
-            <a:endParaRPr lang="en-US" dirty="0" smtClean="0"/>
-          </a:p>
-          <a:p>
-            <a:r>
-              <a:rPr lang="en-US" dirty="0" smtClean="0"/>
-              <a:t>It </a:t>
-            </a:r>
-            <a:r>
-              <a:rPr lang="en-US" dirty="0"/>
-              <a:t>can take a long time to master each ingredient</a:t>
-            </a:r>
-          </a:p>
-          <a:p>
-            <a:endParaRPr lang="en-US" dirty="0" smtClean="0"/>
-          </a:p>
-          <a:p>
-            <a:r>
-              <a:rPr lang="en-US" dirty="0" smtClean="0"/>
-              <a:t>In </a:t>
-            </a:r>
-            <a:r>
-              <a:rPr lang="en-US" dirty="0"/>
-              <a:t>the end? A unique masterpiece!</a:t>
+              <a:rPr lang="en-US" dirty="0"/>
+              <a:t>You have to think about each ingredient, its quality, its needs</a:t>
+            </a:r>
+          </a:p>
+          <a:p>
+            <a:r>
+              <a:rPr lang="en-US" dirty="0"/>
+              <a:t>You must imagine your end-result + find a useful recipe </a:t>
+            </a:r>
+          </a:p>
+          <a:p>
+            <a:r>
+              <a:rPr lang="en-US" dirty="0"/>
+              <a:t>It can take a long time to master each ingredient</a:t>
+            </a:r>
+          </a:p>
+          <a:p>
+            <a:endParaRPr lang="en-US" dirty="0"/>
+          </a:p>
+          <a:p>
+            <a:r>
+              <a:rPr lang="en-US" dirty="0"/>
+              <a:t>In the end? A unique masterpiece!</a:t>
             </a:r>
           </a:p>
           <a:p>
@@ -10286,13 +9915,6 @@
   <p:clrMapOvr>
     <a:masterClrMapping/>
   </p:clrMapOvr>
-  <p:timing>
-    <p:tnLst>
-      <p:par>
-        <p:cTn id="1" dur="indefinite" restart="never" nodeType="tmRoot"/>
-      </p:par>
-    </p:tnLst>
-  </p:timing>
 </p:sld>
 </file>
 
@@ -10329,10 +9951,9 @@
           <a:lstStyle/>
           <a:p>
             <a:r>
-              <a:rPr lang="en-US" dirty="0" smtClean="0"/>
+              <a:rPr lang="en-US" dirty="0"/>
               <a:t>Cake from Scratch</a:t>
             </a:r>
-            <a:endParaRPr lang="en-US" dirty="0"/>
           </a:p>
         </p:txBody>
       </p:sp>
@@ -10352,16 +9973,15 @@
           <a:lstStyle/>
           <a:p>
             <a:r>
-              <a:rPr lang="en-US" dirty="0" smtClean="0"/>
+              <a:rPr lang="en-US" dirty="0"/>
               <a:t>A “grammar of graphics” is key: </a:t>
             </a:r>
           </a:p>
           <a:p>
             <a:r>
-              <a:rPr lang="en-US" dirty="0" smtClean="0"/>
+              <a:rPr lang="en-US" dirty="0"/>
               <a:t>How do we talk about and use the core ingredients in any visualization?</a:t>
             </a:r>
-            <a:endParaRPr lang="en-US" dirty="0"/>
           </a:p>
         </p:txBody>
       </p:sp>
@@ -10375,13 +9995,6 @@
   <p:clrMapOvr>
     <a:masterClrMapping/>
   </p:clrMapOvr>
-  <p:timing>
-    <p:tnLst>
-      <p:par>
-        <p:cTn id="1" dur="indefinite" restart="never" nodeType="tmRoot"/>
-      </p:par>
-    </p:tnLst>
-  </p:timing>
 </p:sld>
 </file>
 
@@ -10418,72 +10031,70 @@
           <a:lstStyle/>
           <a:p>
             <a:r>
-              <a:rPr lang="en-US" dirty="0" smtClean="0"/>
+              <a:rPr lang="en-US" dirty="0"/>
               <a:t>Good News/Bad News</a:t>
             </a:r>
+          </a:p>
+        </p:txBody>
+      </p:sp>
+      <p:sp>
+        <p:nvSpPr>
+          <p:cNvPr id="3" name="Content Placeholder 2"/>
+          <p:cNvSpPr>
+            <a:spLocks noGrp="1"/>
+          </p:cNvSpPr>
+          <p:nvPr>
+            <p:ph idx="1"/>
+          </p:nvPr>
+        </p:nvSpPr>
+        <p:spPr/>
+        <p:txBody>
+          <a:bodyPr/>
+          <a:lstStyle/>
+          <a:p>
+            <a:r>
+              <a:rPr lang="en-US" dirty="0"/>
+              <a:t>What I am about to tell you will be great if you are a ‘</a:t>
+            </a:r>
+            <a:r>
+              <a:rPr lang="en-US" b="1" dirty="0"/>
+              <a:t>Mastery</a:t>
+            </a:r>
+            <a:r>
+              <a:rPr lang="en-US" dirty="0"/>
+              <a:t>’ individual</a:t>
+            </a:r>
+          </a:p>
+          <a:p>
+            <a:r>
+              <a:rPr lang="en-US" dirty="0"/>
+              <a:t>What I am about to tell you will be difficult if you are an ‘</a:t>
+            </a:r>
+            <a:r>
+              <a:rPr lang="en-US" b="1" dirty="0"/>
+              <a:t>Achievement</a:t>
+            </a:r>
+            <a:r>
+              <a:rPr lang="en-US" dirty="0"/>
+              <a:t>’ individual</a:t>
+            </a:r>
+          </a:p>
+          <a:p>
             <a:endParaRPr lang="en-US" dirty="0"/>
           </a:p>
-        </p:txBody>
-      </p:sp>
-      <p:sp>
-        <p:nvSpPr>
-          <p:cNvPr id="3" name="Content Placeholder 2"/>
-          <p:cNvSpPr>
-            <a:spLocks noGrp="1"/>
-          </p:cNvSpPr>
-          <p:nvPr>
-            <p:ph idx="1"/>
-          </p:nvPr>
-        </p:nvSpPr>
-        <p:spPr/>
-        <p:txBody>
-          <a:bodyPr/>
-          <a:lstStyle/>
-          <a:p>
-            <a:r>
-              <a:rPr lang="en-US" dirty="0" smtClean="0"/>
-              <a:t>What I am about to tell you will be great if you are a ‘</a:t>
-            </a:r>
-            <a:r>
-              <a:rPr lang="en-US" b="1" dirty="0" smtClean="0"/>
-              <a:t>Mastery</a:t>
-            </a:r>
-            <a:r>
-              <a:rPr lang="en-US" dirty="0" smtClean="0"/>
-              <a:t>’ individual</a:t>
-            </a:r>
-          </a:p>
-          <a:p>
-            <a:r>
-              <a:rPr lang="en-US" dirty="0" smtClean="0"/>
-              <a:t>What I am about to tell you will be difficult if you are an ‘</a:t>
-            </a:r>
-            <a:r>
-              <a:rPr lang="en-US" b="1" dirty="0" smtClean="0"/>
-              <a:t>Achievement</a:t>
-            </a:r>
-            <a:r>
-              <a:rPr lang="en-US" dirty="0" smtClean="0"/>
-              <a:t>’ individual</a:t>
-            </a:r>
-          </a:p>
-          <a:p>
-            <a:endParaRPr lang="en-US" dirty="0"/>
-          </a:p>
-          <a:p>
-            <a:r>
-              <a:rPr lang="en-US" dirty="0" smtClean="0"/>
+          <a:p>
+            <a:r>
+              <a:rPr lang="en-US" dirty="0"/>
               <a:t>Everyone is </a:t>
             </a:r>
             <a:r>
-              <a:rPr lang="en-US" i="1" dirty="0" smtClean="0"/>
+              <a:rPr lang="en-US" i="1" dirty="0"/>
               <a:t>different</a:t>
             </a:r>
             <a:r>
-              <a:rPr lang="en-US" dirty="0" smtClean="0"/>
+              <a:rPr lang="en-US" dirty="0"/>
               <a:t>! But it is good to know the frustrating stuff up front.</a:t>
             </a:r>
-            <a:endParaRPr lang="en-US" dirty="0"/>
           </a:p>
         </p:txBody>
       </p:sp>
@@ -10497,13 +10108,6 @@
   <p:clrMapOvr>
     <a:masterClrMapping/>
   </p:clrMapOvr>
-  <p:timing>
-    <p:tnLst>
-      <p:par>
-        <p:cTn id="1" dur="indefinite" restart="never" nodeType="tmRoot"/>
-      </p:par>
-    </p:tnLst>
-  </p:timing>
 </p:sld>
 </file>
 
@@ -10540,10 +10144,9 @@
           <a:lstStyle/>
           <a:p>
             <a:r>
-              <a:rPr lang="en-US" dirty="0" smtClean="0"/>
+              <a:rPr lang="en-US" dirty="0"/>
               <a:t>Task 1: Build your environment</a:t>
             </a:r>
-            <a:endParaRPr lang="en-US" dirty="0"/>
           </a:p>
         </p:txBody>
       </p:sp>
@@ -10563,25 +10166,25 @@
           <a:lstStyle/>
           <a:p>
             <a:r>
-              <a:rPr lang="en-US" dirty="0" smtClean="0"/>
+              <a:rPr lang="en-US" dirty="0"/>
               <a:t>Create a folder somewhere with these inside:</a:t>
             </a:r>
           </a:p>
           <a:p>
             <a:r>
-              <a:rPr lang="en-US" dirty="0" smtClean="0"/>
+              <a:rPr lang="en-US" dirty="0"/>
               <a:t>Build index.html file with d3 source link (local or web)</a:t>
             </a:r>
           </a:p>
           <a:p>
             <a:r>
-              <a:rPr lang="en-US" dirty="0" smtClean="0"/>
+              <a:rPr lang="en-US" dirty="0"/>
               <a:t>Create empty “index.css” file, link it in your html</a:t>
             </a:r>
           </a:p>
           <a:p>
             <a:r>
-              <a:rPr lang="en-US" dirty="0" smtClean="0"/>
+              <a:rPr lang="en-US" dirty="0"/>
               <a:t>Create empty “controller.js” file, link it in your html</a:t>
             </a:r>
           </a:p>
@@ -10589,7 +10192,7 @@
             <a:pPr marL="0" indent="0">
               <a:buNone/>
             </a:pPr>
-            <a:endParaRPr lang="en-US" dirty="0" smtClean="0"/>
+            <a:endParaRPr lang="en-US" dirty="0"/>
           </a:p>
         </p:txBody>
       </p:sp>
@@ -10627,13 +10230,6 @@
   <p:clrMapOvr>
     <a:masterClrMapping/>
   </p:clrMapOvr>
-  <p:timing>
-    <p:tnLst>
-      <p:par>
-        <p:cTn id="1" dur="indefinite" restart="never" nodeType="tmRoot"/>
-      </p:par>
-    </p:tnLst>
-  </p:timing>
 </p:sld>
 </file>
 
@@ -10670,10 +10266,9 @@
           <a:lstStyle/>
           <a:p>
             <a:r>
-              <a:rPr lang="en-US" dirty="0" smtClean="0"/>
+              <a:rPr lang="en-US" dirty="0"/>
               <a:t>Task 2: Look at our data, literally</a:t>
             </a:r>
-            <a:endParaRPr lang="en-US" dirty="0"/>
           </a:p>
         </p:txBody>
       </p:sp>
@@ -10693,18 +10288,17 @@
           <a:lstStyle/>
           <a:p>
             <a:r>
-              <a:rPr lang="en-US" dirty="0" smtClean="0"/>
+              <a:rPr lang="en-US" dirty="0"/>
               <a:t>Open both </a:t>
             </a:r>
             <a:r>
-              <a:rPr lang="en-US" dirty="0" err="1" smtClean="0"/>
+              <a:rPr lang="en-US" dirty="0" err="1"/>
               <a:t>data.tsv</a:t>
             </a:r>
             <a:r>
-              <a:rPr lang="en-US" dirty="0" smtClean="0"/>
+              <a:rPr lang="en-US" dirty="0"/>
               <a:t> and data.js in your text editor</a:t>
             </a:r>
-            <a:endParaRPr lang="en-US" dirty="0"/>
           </a:p>
         </p:txBody>
       </p:sp>
@@ -10766,13 +10360,6 @@
   <p:clrMapOvr>
     <a:masterClrMapping/>
   </p:clrMapOvr>
-  <p:timing>
-    <p:tnLst>
-      <p:par>
-        <p:cTn id="1" dur="indefinite" restart="never" nodeType="tmRoot"/>
-      </p:par>
-    </p:tnLst>
-  </p:timing>
 </p:sld>
 </file>
 
@@ -10809,10 +10396,9 @@
           <a:lstStyle/>
           <a:p>
             <a:r>
-              <a:rPr lang="en-US" dirty="0" smtClean="0"/>
+              <a:rPr lang="en-US" dirty="0"/>
               <a:t>Task 3: Look at the data, in-browser</a:t>
             </a:r>
-            <a:endParaRPr lang="en-US" dirty="0"/>
           </a:p>
         </p:txBody>
       </p:sp>
@@ -10839,73 +10425,47 @@
           <a:lstStyle/>
           <a:p>
             <a:r>
-              <a:rPr lang="en-US" dirty="0" smtClean="0"/>
+              <a:rPr lang="en-US" dirty="0"/>
               <a:t>Import data.js into your html, copy this to your dev folder</a:t>
             </a:r>
+          </a:p>
+          <a:p>
             <a:endParaRPr lang="en-US" dirty="0"/>
           </a:p>
           <a:p>
-            <a:endParaRPr lang="en-US" dirty="0" smtClean="0"/>
-          </a:p>
-          <a:p>
-            <a:endParaRPr lang="en-US" dirty="0" smtClean="0"/>
-          </a:p>
-          <a:p>
-            <a:endParaRPr lang="en-US" dirty="0" smtClean="0"/>
-          </a:p>
-          <a:p>
-            <a:r>
-              <a:rPr lang="en-US" dirty="0" smtClean="0"/>
-              <a:t>Console.log </a:t>
-            </a:r>
-            <a:r>
-              <a:rPr lang="en-US" dirty="0"/>
-              <a:t>the </a:t>
-            </a:r>
-            <a:r>
-              <a:rPr lang="en-US" dirty="0" smtClean="0"/>
-              <a:t>data in the browser console</a:t>
-            </a:r>
-          </a:p>
-          <a:p>
-            <a:endParaRPr lang="en-US" dirty="0" smtClean="0"/>
-          </a:p>
-          <a:p>
-            <a:endParaRPr lang="en-US" dirty="0" smtClean="0"/>
-          </a:p>
-          <a:p>
-            <a:endParaRPr lang="en-US" dirty="0" smtClean="0"/>
-          </a:p>
-          <a:p>
-            <a:r>
-              <a:rPr lang="en-US" dirty="0" smtClean="0"/>
-              <a:t>Create </a:t>
-            </a:r>
-            <a:r>
-              <a:rPr lang="en-US" dirty="0"/>
-              <a:t>an </a:t>
-            </a:r>
-            <a:r>
-              <a:rPr lang="en-US" dirty="0" smtClean="0"/>
-              <a:t>&lt;</a:t>
-            </a:r>
-            <a:r>
-              <a:rPr lang="en-US" dirty="0" err="1" smtClean="0"/>
+            <a:endParaRPr lang="en-US" dirty="0"/>
+          </a:p>
+          <a:p>
+            <a:endParaRPr lang="en-US" dirty="0"/>
+          </a:p>
+          <a:p>
+            <a:r>
+              <a:rPr lang="en-US" dirty="0"/>
+              <a:t>Console.log the data in the browser console</a:t>
+            </a:r>
+          </a:p>
+          <a:p>
+            <a:endParaRPr lang="en-US" dirty="0"/>
+          </a:p>
+          <a:p>
+            <a:endParaRPr lang="en-US" dirty="0"/>
+          </a:p>
+          <a:p>
+            <a:endParaRPr lang="en-US" dirty="0"/>
+          </a:p>
+          <a:p>
+            <a:r>
+              <a:rPr lang="en-US" dirty="0"/>
+              <a:t>Create an &lt;</a:t>
+            </a:r>
+            <a:r>
+              <a:rPr lang="en-US" dirty="0" err="1"/>
               <a:t>svg</a:t>
             </a:r>
             <a:r>
-              <a:rPr lang="en-US" dirty="0" smtClean="0"/>
-              <a:t>&gt; element </a:t>
-            </a:r>
-            <a:r>
-              <a:rPr lang="en-US" dirty="0"/>
-              <a:t>with id=“graph</a:t>
-            </a:r>
-            <a:r>
-              <a:rPr lang="en-US" dirty="0" smtClean="0"/>
-              <a:t>” inside &lt;body&gt;</a:t>
-            </a:r>
-            <a:endParaRPr lang="en-US" dirty="0"/>
+              <a:rPr lang="en-US" dirty="0"/>
+              <a:t>&gt; element with id=“graph” inside &lt;body&gt;</a:t>
+            </a:r>
           </a:p>
           <a:p>
             <a:endParaRPr lang="en-US" dirty="0"/>
@@ -11032,10 +10592,9 @@
           <a:lstStyle/>
           <a:p>
             <a:r>
-              <a:rPr lang="en-US" dirty="0" smtClean="0"/>
+              <a:rPr lang="en-US" dirty="0"/>
               <a:t>(Review) HTML layout should look like:</a:t>
             </a:r>
-            <a:endParaRPr lang="en-US" dirty="0"/>
           </a:p>
         </p:txBody>
       </p:sp>
@@ -11128,10 +10687,9 @@
           <a:lstStyle/>
           <a:p>
             <a:r>
-              <a:rPr lang="en-US" dirty="0" smtClean="0"/>
+              <a:rPr lang="en-US" dirty="0"/>
               <a:t>(Review) File system should look like:</a:t>
             </a:r>
-            <a:endParaRPr lang="en-US" dirty="0"/>
           </a:p>
         </p:txBody>
       </p:sp>
@@ -11205,10 +10763,9 @@
           <a:lstStyle/>
           <a:p>
             <a:r>
-              <a:rPr lang="en-US" dirty="0" smtClean="0"/>
+              <a:rPr lang="en-US" dirty="0"/>
               <a:t>Begin writing code!</a:t>
             </a:r>
-            <a:endParaRPr lang="en-US" dirty="0"/>
           </a:p>
         </p:txBody>
       </p:sp>
@@ -11228,10 +10785,9 @@
           <a:lstStyle/>
           <a:p>
             <a:r>
-              <a:rPr lang="en-US" dirty="0" smtClean="0"/>
+              <a:rPr lang="en-US" dirty="0"/>
               <a:t>Let’s recreate this monster (follow along)</a:t>
             </a:r>
-            <a:endParaRPr lang="en-US" dirty="0"/>
           </a:p>
         </p:txBody>
       </p:sp>
@@ -11281,10 +10837,9 @@
           <a:lstStyle/>
           <a:p>
             <a:r>
-              <a:rPr lang="en-US" dirty="0" smtClean="0"/>
+              <a:rPr lang="en-US" dirty="0"/>
               <a:t>1a. Beginning with D3</a:t>
             </a:r>
-            <a:endParaRPr lang="en-US" dirty="0"/>
           </a:p>
         </p:txBody>
       </p:sp>
@@ -11312,32 +10867,32 @@
               <a:buNone/>
             </a:pPr>
             <a:r>
-              <a:rPr lang="en-US" i="1" dirty="0" smtClean="0"/>
+              <a:rPr lang="en-US" i="1" dirty="0"/>
               <a:t>Once we get set up, we should only visit controller (and </a:t>
             </a:r>
             <a:r>
-              <a:rPr lang="en-US" i="1" dirty="0" err="1" smtClean="0"/>
+              <a:rPr lang="en-US" i="1" dirty="0" err="1"/>
               <a:t>css</a:t>
             </a:r>
             <a:r>
-              <a:rPr lang="en-US" i="1" dirty="0" smtClean="0"/>
+              <a:rPr lang="en-US" i="1" dirty="0"/>
               <a:t>)</a:t>
             </a:r>
           </a:p>
           <a:p>
             <a:r>
-              <a:rPr lang="en-US" dirty="0" smtClean="0"/>
+              <a:rPr lang="en-US" dirty="0"/>
               <a:t>Select the “#graph” element</a:t>
             </a:r>
           </a:p>
           <a:p>
             <a:pPr lvl="1"/>
             <a:r>
-              <a:rPr lang="en-US" dirty="0" smtClean="0"/>
+              <a:rPr lang="en-US" dirty="0"/>
               <a:t>Reference this with a </a:t>
             </a:r>
             <a:r>
-              <a:rPr lang="en-US" b="1" i="1" dirty="0" err="1" smtClean="0">
+              <a:rPr lang="en-US" b="1" i="1" dirty="0" err="1">
                 <a:solidFill>
                   <a:schemeClr val="accent1">
                     <a:lumMod val="60000"/>
@@ -11358,36 +10913,28 @@
               </a:rPr>
               <a:t> </a:t>
             </a:r>
-            <a:endParaRPr lang="en-US" b="1" i="1" dirty="0" smtClean="0">
-              <a:solidFill>
-                <a:schemeClr val="accent1">
-                  <a:lumMod val="60000"/>
-                  <a:lumOff val="40000"/>
-                </a:schemeClr>
-              </a:solidFill>
-            </a:endParaRPr>
           </a:p>
           <a:p>
             <a:pPr lvl="1"/>
             <a:r>
-              <a:rPr lang="en-US" dirty="0" smtClean="0"/>
+              <a:rPr lang="en-US" dirty="0"/>
               <a:t>Give it dimensions</a:t>
             </a:r>
           </a:p>
           <a:p>
             <a:r>
-              <a:rPr lang="en-US" dirty="0" smtClean="0"/>
+              <a:rPr lang="en-US" dirty="0"/>
               <a:t>Append g</a:t>
             </a:r>
           </a:p>
           <a:p>
             <a:pPr lvl="1"/>
             <a:r>
-              <a:rPr lang="en-US" dirty="0" smtClean="0"/>
+              <a:rPr lang="en-US" dirty="0"/>
               <a:t>Reference this g with a </a:t>
             </a:r>
             <a:r>
-              <a:rPr lang="en-US" b="1" i="1" dirty="0" err="1" smtClean="0">
+              <a:rPr lang="en-US" b="1" i="1" dirty="0" err="1">
                 <a:solidFill>
                   <a:schemeClr val="accent1">
                     <a:lumMod val="60000"/>
@@ -11397,7 +10944,7 @@
               </a:rPr>
               <a:t>var</a:t>
             </a:r>
-            <a:endParaRPr lang="en-US" b="1" i="1" dirty="0" smtClean="0">
+            <a:endParaRPr lang="en-US" b="1" i="1" dirty="0">
               <a:solidFill>
                 <a:schemeClr val="accent1">
                   <a:lumMod val="60000"/>
@@ -11408,11 +10955,11 @@
           </a:p>
           <a:p>
             <a:r>
-              <a:rPr lang="en-US" dirty="0" err="1" smtClean="0"/>
+              <a:rPr lang="en-US" dirty="0" err="1"/>
               <a:t>g.selectAll</a:t>
             </a:r>
             <a:r>
-              <a:rPr lang="en-US" dirty="0" smtClean="0"/>
+              <a:rPr lang="en-US" dirty="0"/>
               <a:t>(‘.bar’)</a:t>
             </a:r>
           </a:p>
@@ -11421,7 +10968,7 @@
               <a:buNone/>
             </a:pPr>
             <a:r>
-              <a:rPr lang="en-US" dirty="0" smtClean="0"/>
+              <a:rPr lang="en-US" dirty="0"/>
               <a:t>.data(data)</a:t>
             </a:r>
           </a:p>
@@ -11430,29 +10977,23 @@
               <a:buNone/>
             </a:pPr>
             <a:r>
-              <a:rPr lang="en-US" dirty="0" smtClean="0"/>
+              <a:rPr lang="en-US" dirty="0"/>
               <a:t>.enter().append(‘</a:t>
             </a:r>
             <a:r>
-              <a:rPr lang="en-US" dirty="0" err="1" smtClean="0"/>
+              <a:rPr lang="en-US" dirty="0" err="1"/>
               <a:t>rect</a:t>
             </a:r>
             <a:r>
-              <a:rPr lang="en-US" dirty="0" smtClean="0"/>
+              <a:rPr lang="en-US" dirty="0"/>
               <a:t>’)</a:t>
             </a:r>
-            <a:endParaRPr lang="en-US" dirty="0"/>
-          </a:p>
-          <a:p>
-            <a:r>
-              <a:rPr lang="en-US" dirty="0"/>
-              <a:t>Discuss SVG types &amp; explain </a:t>
-            </a:r>
-            <a:r>
-              <a:rPr lang="en-US" dirty="0" smtClean="0"/>
-              <a:t>SVG</a:t>
-            </a:r>
-            <a:endParaRPr lang="en-US" dirty="0"/>
+          </a:p>
+          <a:p>
+            <a:r>
+              <a:rPr lang="en-US" dirty="0"/>
+              <a:t>Discuss SVG types &amp; explain SVG</a:t>
+            </a:r>
           </a:p>
         </p:txBody>
       </p:sp>
@@ -11502,64 +11043,63 @@
           <a:lstStyle/>
           <a:p>
             <a:r>
-              <a:rPr lang="en-US" dirty="0" smtClean="0"/>
+              <a:rPr lang="en-US" dirty="0"/>
               <a:t>1b. Use the bound data!</a:t>
             </a:r>
+          </a:p>
+        </p:txBody>
+      </p:sp>
+      <p:sp>
+        <p:nvSpPr>
+          <p:cNvPr id="3" name="Content Placeholder 2"/>
+          <p:cNvSpPr>
+            <a:spLocks noGrp="1"/>
+          </p:cNvSpPr>
+          <p:nvPr>
+            <p:ph idx="1"/>
+          </p:nvPr>
+        </p:nvSpPr>
+        <p:spPr/>
+        <p:txBody>
+          <a:bodyPr/>
+          <a:lstStyle/>
+          <a:p>
+            <a:r>
+              <a:rPr lang="en-US" dirty="0"/>
+              <a:t>Make height = </a:t>
+            </a:r>
+            <a:r>
+              <a:rPr lang="en-US" dirty="0" err="1"/>
+              <a:t>d.frequency</a:t>
+            </a:r>
             <a:endParaRPr lang="en-US" dirty="0"/>
           </a:p>
-        </p:txBody>
-      </p:sp>
-      <p:sp>
-        <p:nvSpPr>
-          <p:cNvPr id="3" name="Content Placeholder 2"/>
-          <p:cNvSpPr>
-            <a:spLocks noGrp="1"/>
-          </p:cNvSpPr>
-          <p:nvPr>
-            <p:ph idx="1"/>
-          </p:nvPr>
-        </p:nvSpPr>
-        <p:spPr/>
-        <p:txBody>
-          <a:bodyPr/>
-          <a:lstStyle/>
-          <a:p>
-            <a:r>
-              <a:rPr lang="en-US" dirty="0" smtClean="0"/>
-              <a:t>Make height = </a:t>
-            </a:r>
-            <a:r>
-              <a:rPr lang="en-US" dirty="0" err="1" smtClean="0"/>
-              <a:t>d.frequency</a:t>
-            </a:r>
-            <a:endParaRPr lang="en-US" dirty="0" smtClean="0"/>
-          </a:p>
-          <a:p>
-            <a:r>
-              <a:rPr lang="en-US" dirty="0" smtClean="0"/>
+          <a:p>
+            <a:r>
+              <a:rPr lang="en-US" dirty="0"/>
               <a:t>Make width = 10</a:t>
             </a:r>
           </a:p>
           <a:p>
             <a:r>
-              <a:rPr lang="en-US" dirty="0" smtClean="0"/>
+              <a:rPr lang="en-US" dirty="0"/>
               <a:t>Make x = </a:t>
             </a:r>
             <a:r>
-              <a:rPr lang="en-US" dirty="0" err="1" smtClean="0"/>
+              <a:rPr lang="en-US" dirty="0" err="1"/>
               <a:t>i</a:t>
             </a:r>
             <a:r>
-              <a:rPr lang="en-US" dirty="0" smtClean="0"/>
+              <a:rPr lang="en-US" dirty="0"/>
               <a:t>*10</a:t>
             </a:r>
           </a:p>
           <a:p>
-            <a:endParaRPr lang="en-US" dirty="0" smtClean="0"/>
-          </a:p>
-          <a:p>
-            <a:r>
-              <a:rPr lang="en-US" dirty="0" smtClean="0"/>
+            <a:endParaRPr lang="en-US" dirty="0"/>
+          </a:p>
+          <a:p>
+            <a:r>
+              <a:rPr lang="en-US" dirty="0"/>
               <a:t>Try:</a:t>
             </a:r>
           </a:p>
@@ -11581,14 +11121,13 @@
               <a:t>Make x = </a:t>
             </a:r>
             <a:r>
-              <a:rPr lang="en-US" dirty="0" err="1" smtClean="0"/>
+              <a:rPr lang="en-US" dirty="0" err="1"/>
               <a:t>i</a:t>
             </a:r>
             <a:r>
-              <a:rPr lang="en-US" dirty="0" smtClean="0"/>
+              <a:rPr lang="en-US" dirty="0"/>
               <a:t>*22</a:t>
             </a:r>
-            <a:endParaRPr lang="en-US" dirty="0"/>
           </a:p>
           <a:p>
             <a:endParaRPr lang="en-US" dirty="0"/>
@@ -11641,70 +11180,69 @@
           <a:lstStyle/>
           <a:p>
             <a:r>
-              <a:rPr lang="en-US" dirty="0" smtClean="0"/>
+              <a:rPr lang="en-US" dirty="0"/>
               <a:t>1c. How to inspect</a:t>
             </a:r>
+          </a:p>
+        </p:txBody>
+      </p:sp>
+      <p:sp>
+        <p:nvSpPr>
+          <p:cNvPr id="3" name="Content Placeholder 2"/>
+          <p:cNvSpPr>
+            <a:spLocks noGrp="1"/>
+          </p:cNvSpPr>
+          <p:nvPr>
+            <p:ph idx="1"/>
+          </p:nvPr>
+        </p:nvSpPr>
+        <p:spPr/>
+        <p:txBody>
+          <a:bodyPr/>
+          <a:lstStyle/>
+          <a:p>
+            <a:r>
+              <a:rPr lang="en-US" dirty="0"/>
+              <a:t>Show __data__ property of the element</a:t>
+            </a:r>
+          </a:p>
+          <a:p>
+            <a:r>
+              <a:rPr lang="en-US" dirty="0"/>
+              <a:t>Show console.log(this)</a:t>
+            </a:r>
+          </a:p>
+          <a:p>
+            <a:pPr lvl="1"/>
+            <a:r>
+              <a:rPr lang="en-US" dirty="0"/>
+              <a:t>(</a:t>
+            </a:r>
+            <a:r>
+              <a:rPr lang="en-US" dirty="0" err="1"/>
+              <a:t>i</a:t>
+            </a:r>
+            <a:r>
+              <a:rPr lang="en-US" dirty="0"/>
+              <a:t>)</a:t>
+            </a:r>
+          </a:p>
+          <a:p>
+            <a:pPr lvl="1"/>
+            <a:r>
+              <a:rPr lang="en-US" dirty="0"/>
+              <a:t>(d)</a:t>
+            </a:r>
+          </a:p>
+          <a:p>
+            <a:pPr lvl="1"/>
+            <a:r>
+              <a:rPr lang="en-US" dirty="0"/>
+              <a:t>d3.select(this)</a:t>
+            </a:r>
+          </a:p>
+          <a:p>
             <a:endParaRPr lang="en-US" dirty="0"/>
-          </a:p>
-        </p:txBody>
-      </p:sp>
-      <p:sp>
-        <p:nvSpPr>
-          <p:cNvPr id="3" name="Content Placeholder 2"/>
-          <p:cNvSpPr>
-            <a:spLocks noGrp="1"/>
-          </p:cNvSpPr>
-          <p:nvPr>
-            <p:ph idx="1"/>
-          </p:nvPr>
-        </p:nvSpPr>
-        <p:spPr/>
-        <p:txBody>
-          <a:bodyPr/>
-          <a:lstStyle/>
-          <a:p>
-            <a:r>
-              <a:rPr lang="en-US" dirty="0" smtClean="0"/>
-              <a:t>Show __data__ property of the element</a:t>
-            </a:r>
-          </a:p>
-          <a:p>
-            <a:r>
-              <a:rPr lang="en-US" dirty="0" smtClean="0"/>
-              <a:t>Show console.log(this)</a:t>
-            </a:r>
-          </a:p>
-          <a:p>
-            <a:pPr lvl="1"/>
-            <a:r>
-              <a:rPr lang="en-US" dirty="0" smtClean="0"/>
-              <a:t>(</a:t>
-            </a:r>
-            <a:r>
-              <a:rPr lang="en-US" dirty="0" err="1" smtClean="0"/>
-              <a:t>i</a:t>
-            </a:r>
-            <a:r>
-              <a:rPr lang="en-US" dirty="0" smtClean="0"/>
-              <a:t>)</a:t>
-            </a:r>
-          </a:p>
-          <a:p>
-            <a:pPr lvl="1"/>
-            <a:r>
-              <a:rPr lang="en-US" dirty="0" smtClean="0"/>
-              <a:t>(d)</a:t>
-            </a:r>
-          </a:p>
-          <a:p>
-            <a:pPr lvl="1"/>
-            <a:r>
-              <a:rPr lang="en-US" dirty="0" smtClean="0"/>
-              <a:t>d3.select(this)</a:t>
-            </a:r>
-          </a:p>
-          <a:p>
-            <a:endParaRPr lang="en-US" dirty="0" smtClean="0"/>
           </a:p>
         </p:txBody>
       </p:sp>
@@ -11754,73 +11292,72 @@
           <a:lstStyle/>
           <a:p>
             <a:r>
-              <a:rPr lang="en-US" dirty="0" smtClean="0"/>
+              <a:rPr lang="en-US" dirty="0"/>
               <a:t>2. Build a scale that makes sense</a:t>
             </a:r>
+          </a:p>
+        </p:txBody>
+      </p:sp>
+      <p:sp>
+        <p:nvSpPr>
+          <p:cNvPr id="3" name="Content Placeholder 2"/>
+          <p:cNvSpPr>
+            <a:spLocks noGrp="1"/>
+          </p:cNvSpPr>
+          <p:nvPr>
+            <p:ph idx="1"/>
+          </p:nvPr>
+        </p:nvSpPr>
+        <p:spPr/>
+        <p:txBody>
+          <a:bodyPr/>
+          <a:lstStyle/>
+          <a:p>
+            <a:r>
+              <a:rPr lang="en-US" dirty="0"/>
+              <a:t>Create margin object</a:t>
+            </a:r>
+          </a:p>
+          <a:p>
+            <a:r>
+              <a:rPr lang="en-US" dirty="0"/>
+              <a:t>Create “actual” width/height variables, subtracting the margins</a:t>
+            </a:r>
+          </a:p>
+          <a:p>
             <a:endParaRPr lang="en-US" dirty="0"/>
           </a:p>
-        </p:txBody>
-      </p:sp>
-      <p:sp>
-        <p:nvSpPr>
-          <p:cNvPr id="3" name="Content Placeholder 2"/>
-          <p:cNvSpPr>
-            <a:spLocks noGrp="1"/>
-          </p:cNvSpPr>
-          <p:nvPr>
-            <p:ph idx="1"/>
-          </p:nvPr>
-        </p:nvSpPr>
-        <p:spPr/>
-        <p:txBody>
-          <a:bodyPr/>
-          <a:lstStyle/>
-          <a:p>
-            <a:r>
-              <a:rPr lang="en-US" dirty="0" smtClean="0"/>
-              <a:t>Create margin object</a:t>
-            </a:r>
-          </a:p>
-          <a:p>
-            <a:r>
-              <a:rPr lang="en-US" dirty="0" smtClean="0"/>
-              <a:t>Create “actual” width/height variables, subtracting the margins</a:t>
-            </a:r>
-          </a:p>
-          <a:p>
-            <a:endParaRPr lang="en-US" dirty="0" smtClean="0"/>
-          </a:p>
-          <a:p>
-            <a:r>
-              <a:rPr lang="en-US" dirty="0" smtClean="0"/>
+          <a:p>
+            <a:r>
+              <a:rPr lang="en-US" dirty="0"/>
               <a:t>Pass these to x range - band (width) and y range - linear (height)</a:t>
             </a:r>
           </a:p>
           <a:p>
             <a:r>
-              <a:rPr lang="en-US" dirty="0" smtClean="0"/>
+              <a:rPr lang="en-US" dirty="0"/>
               <a:t>Pass our data to the domain, using map for letters and max </a:t>
             </a:r>
             <a:r>
-              <a:rPr lang="en-US" smtClean="0"/>
+              <a:rPr lang="en-US"/>
               <a:t>for frequency</a:t>
             </a:r>
-            <a:endParaRPr lang="en-US" dirty="0" smtClean="0"/>
-          </a:p>
-          <a:p>
             <a:endParaRPr lang="en-US" dirty="0"/>
           </a:p>
           <a:p>
-            <a:r>
-              <a:rPr lang="en-US" dirty="0" smtClean="0"/>
+            <a:endParaRPr lang="en-US" dirty="0"/>
+          </a:p>
+          <a:p>
+            <a:r>
+              <a:rPr lang="en-US" dirty="0"/>
               <a:t>Update our </a:t>
             </a:r>
             <a:r>
-              <a:rPr lang="en-US" dirty="0" err="1" smtClean="0"/>
+              <a:rPr lang="en-US" dirty="0" err="1"/>
               <a:t>attr</a:t>
             </a:r>
             <a:r>
-              <a:rPr lang="en-US" dirty="0" smtClean="0"/>
+              <a:rPr lang="en-US" dirty="0"/>
               <a:t> binding to use these new things</a:t>
             </a:r>
           </a:p>
@@ -11936,13 +11473,6 @@
   <p:clrMapOvr>
     <a:masterClrMapping/>
   </p:clrMapOvr>
-  <p:timing>
-    <p:tnLst>
-      <p:par>
-        <p:cTn id="1" dur="indefinite" restart="never" nodeType="tmRoot"/>
-      </p:par>
-    </p:tnLst>
-  </p:timing>
 </p:sld>
 </file>
 
@@ -11979,75 +11509,74 @@
           <a:lstStyle/>
           <a:p>
             <a:r>
-              <a:rPr lang="en-US" dirty="0" smtClean="0"/>
+              <a:rPr lang="en-US" dirty="0"/>
               <a:t>3. Add the axes and some styling</a:t>
             </a:r>
+          </a:p>
+        </p:txBody>
+      </p:sp>
+      <p:sp>
+        <p:nvSpPr>
+          <p:cNvPr id="3" name="Content Placeholder 2"/>
+          <p:cNvSpPr>
+            <a:spLocks noGrp="1"/>
+          </p:cNvSpPr>
+          <p:nvPr>
+            <p:ph idx="1"/>
+          </p:nvPr>
+        </p:nvSpPr>
+        <p:spPr/>
+        <p:txBody>
+          <a:bodyPr/>
+          <a:lstStyle/>
+          <a:p>
+            <a:r>
+              <a:rPr lang="en-US" dirty="0"/>
+              <a:t>Append g with an </a:t>
+            </a:r>
+            <a:r>
+              <a:rPr lang="en-US" dirty="0" err="1"/>
+              <a:t>axisBottom</a:t>
+            </a:r>
+            <a:r>
+              <a:rPr lang="en-US" dirty="0"/>
+              <a:t> on x, translate for height (to put on bottom – otherwise it is a downward axis on the top)</a:t>
+            </a:r>
+          </a:p>
+          <a:p>
             <a:endParaRPr lang="en-US" dirty="0"/>
           </a:p>
-        </p:txBody>
-      </p:sp>
-      <p:sp>
-        <p:nvSpPr>
-          <p:cNvPr id="3" name="Content Placeholder 2"/>
-          <p:cNvSpPr>
-            <a:spLocks noGrp="1"/>
-          </p:cNvSpPr>
-          <p:nvPr>
-            <p:ph idx="1"/>
-          </p:nvPr>
-        </p:nvSpPr>
-        <p:spPr/>
-        <p:txBody>
-          <a:bodyPr/>
-          <a:lstStyle/>
-          <a:p>
-            <a:r>
-              <a:rPr lang="en-US" dirty="0" smtClean="0"/>
-              <a:t>Append g with an </a:t>
-            </a:r>
-            <a:r>
-              <a:rPr lang="en-US" dirty="0" err="1" smtClean="0"/>
-              <a:t>axisBottom</a:t>
-            </a:r>
-            <a:r>
-              <a:rPr lang="en-US" dirty="0" smtClean="0"/>
-              <a:t> on x, translate for height (to put on bottom – otherwise it is a downward axis on the top)</a:t>
-            </a:r>
-          </a:p>
-          <a:p>
-            <a:endParaRPr lang="en-US" dirty="0" smtClean="0"/>
-          </a:p>
-          <a:p>
-            <a:r>
-              <a:rPr lang="en-US" dirty="0" smtClean="0"/>
+          <a:p>
+            <a:r>
+              <a:rPr lang="en-US" dirty="0"/>
               <a:t>Append g with an axis for y, add 10 ticks with %</a:t>
             </a:r>
           </a:p>
           <a:p>
-            <a:endParaRPr lang="en-US" dirty="0" smtClean="0"/>
-          </a:p>
-          <a:p>
-            <a:r>
-              <a:rPr lang="en-US" dirty="0" smtClean="0"/>
+            <a:endParaRPr lang="en-US" dirty="0"/>
+          </a:p>
+          <a:p>
+            <a:r>
+              <a:rPr lang="en-US" dirty="0"/>
               <a:t>Open our empty index.css </a:t>
             </a:r>
           </a:p>
           <a:p>
             <a:pPr lvl="1"/>
             <a:r>
-              <a:rPr lang="en-US" dirty="0" smtClean="0"/>
+              <a:rPr lang="en-US" dirty="0"/>
               <a:t>Add fill color for .bar class and .</a:t>
             </a:r>
             <a:r>
-              <a:rPr lang="en-US" dirty="0" err="1" smtClean="0"/>
+              <a:rPr lang="en-US" dirty="0" err="1"/>
               <a:t>bar:hover</a:t>
             </a:r>
-            <a:endParaRPr lang="en-US" dirty="0" smtClean="0"/>
+            <a:endParaRPr lang="en-US" dirty="0"/>
           </a:p>
           <a:p>
             <a:pPr lvl="1"/>
             <a:r>
-              <a:rPr lang="en-US" dirty="0" smtClean="0"/>
+              <a:rPr lang="en-US" dirty="0"/>
               <a:t>Remove axis--x path</a:t>
             </a:r>
           </a:p>
@@ -12102,10 +11631,9 @@
           <a:lstStyle/>
           <a:p>
             <a:r>
-              <a:rPr lang="en-US" dirty="0" smtClean="0"/>
+              <a:rPr lang="en-US" dirty="0"/>
               <a:t>Done? Great. One last exercise:</a:t>
             </a:r>
-            <a:endParaRPr lang="en-US" dirty="0"/>
           </a:p>
         </p:txBody>
       </p:sp>
@@ -12125,19 +11653,11 @@
           <a:lstStyle/>
           <a:p>
             <a:r>
-              <a:rPr lang="en-US" dirty="0" smtClean="0"/>
-              <a:t>Recreate your code, but make it </a:t>
-            </a:r>
-            <a:r>
-              <a:rPr lang="en-US" dirty="0" smtClean="0"/>
-              <a:t>asynchronous</a:t>
-            </a:r>
-            <a:r>
-              <a:rPr lang="en-US" dirty="0" smtClean="0"/>
-              <a:t> and load once you click the </a:t>
-            </a:r>
-            <a:r>
-              <a:rPr lang="en-US" smtClean="0"/>
+              <a:rPr lang="en-US" dirty="0"/>
+              <a:t>Recreate your code, but make it asynchronous and load once you click the </a:t>
+            </a:r>
+            <a:r>
+              <a:rPr lang="en-US"/>
               <a:t>‘body’ element</a:t>
             </a:r>
             <a:endParaRPr lang="en-US" dirty="0"/>
@@ -12190,10 +11710,9 @@
           <a:lstStyle/>
           <a:p>
             <a:r>
-              <a:rPr lang="en-US" dirty="0" smtClean="0"/>
+              <a:rPr lang="en-US" dirty="0"/>
               <a:t>Resources</a:t>
             </a:r>
-            <a:endParaRPr lang="en-US" dirty="0"/>
           </a:p>
         </p:txBody>
       </p:sp>
@@ -12213,10 +11732,9 @@
           <a:lstStyle/>
           <a:p>
             <a:r>
-              <a:rPr lang="en-US" dirty="0" smtClean="0"/>
+              <a:rPr lang="en-US" dirty="0"/>
               <a:t>Things you should explore when looking further</a:t>
             </a:r>
-            <a:endParaRPr lang="en-US" dirty="0"/>
           </a:p>
         </p:txBody>
       </p:sp>
@@ -12266,10 +11784,9 @@
           <a:lstStyle/>
           <a:p>
             <a:r>
-              <a:rPr lang="en-US" dirty="0" smtClean="0"/>
+              <a:rPr lang="en-US" dirty="0"/>
               <a:t>Read the API docs!</a:t>
             </a:r>
-            <a:endParaRPr lang="en-US" dirty="0"/>
           </a:p>
         </p:txBody>
       </p:sp>
@@ -12289,20 +11806,12 @@
           <a:lstStyle/>
           <a:p>
             <a:r>
-              <a:rPr lang="en-US" b="1" dirty="0" smtClean="0"/>
+              <a:rPr lang="en-US" b="1" dirty="0"/>
               <a:t>D3: </a:t>
             </a:r>
             <a:r>
-              <a:rPr lang="en-US" dirty="0" smtClean="0"/>
-              <a:t>https</a:t>
-            </a:r>
-            <a:r>
-              <a:rPr lang="en-US" dirty="0"/>
-              <a:t>://</a:t>
-            </a:r>
-            <a:r>
-              <a:rPr lang="en-US" dirty="0" smtClean="0"/>
-              <a:t>github.com/d3/d3/wiki</a:t>
+              <a:rPr lang="en-US" dirty="0"/>
+              <a:t>https://github.com/d3/d3/wiki</a:t>
             </a:r>
           </a:p>
           <a:p>
@@ -12363,10 +11872,9 @@
           <a:lstStyle/>
           <a:p>
             <a:r>
-              <a:rPr lang="en-US" dirty="0" smtClean="0"/>
+              <a:rPr lang="en-US" dirty="0"/>
               <a:t>Top 3 resources:</a:t>
             </a:r>
-            <a:endParaRPr lang="en-US" dirty="0"/>
           </a:p>
         </p:txBody>
       </p:sp>
@@ -12386,28 +11894,20 @@
           <a:lstStyle/>
           <a:p>
             <a:r>
-              <a:rPr lang="en-US" dirty="0" smtClean="0"/>
+              <a:rPr lang="en-US" dirty="0"/>
               <a:t>The d3 API documentation</a:t>
             </a:r>
           </a:p>
           <a:p>
             <a:r>
-              <a:rPr lang="en-US" dirty="0" smtClean="0"/>
+              <a:rPr lang="en-US" dirty="0"/>
               <a:t>MDN web standards documentation</a:t>
             </a:r>
           </a:p>
           <a:p>
             <a:r>
               <a:rPr lang="en-US" dirty="0"/>
-              <a:t>Googling </a:t>
-            </a:r>
-            <a:r>
-              <a:rPr lang="en-US" dirty="0" smtClean="0"/>
-              <a:t>things you want to make </a:t>
-            </a:r>
-            <a:r>
-              <a:rPr lang="en-US" dirty="0"/>
-              <a:t>(“d3 scatterplot </a:t>
+              <a:t>Googling things you want to make (“d3 scatterplot </a:t>
             </a:r>
             <a:r>
               <a:rPr lang="en-US" dirty="0" err="1"/>
@@ -12474,10 +11974,9 @@
           <a:lstStyle/>
           <a:p>
             <a:r>
-              <a:rPr lang="en-US" dirty="0" smtClean="0"/>
+              <a:rPr lang="en-US" dirty="0"/>
               <a:t>Listing the Basics:</a:t>
             </a:r>
-            <a:endParaRPr lang="en-US" dirty="0"/>
           </a:p>
         </p:txBody>
       </p:sp>
@@ -12505,7 +12004,7 @@
           <a:p>
             <a:pPr algn="l"/>
             <a:r>
-              <a:rPr lang="en-US" sz="2800" b="1" dirty="0" smtClean="0"/>
+              <a:rPr lang="en-US" sz="2800" b="1" dirty="0"/>
               <a:t>Know what these are, you will use them often:</a:t>
             </a:r>
           </a:p>
@@ -12515,15 +12014,15 @@
               <a:buChar char="•"/>
             </a:pPr>
             <a:r>
-              <a:rPr lang="en-US" dirty="0" smtClean="0"/>
+              <a:rPr lang="en-US" dirty="0"/>
               <a:t>Selections (select, </a:t>
             </a:r>
             <a:r>
-              <a:rPr lang="en-US" dirty="0" err="1" smtClean="0"/>
+              <a:rPr lang="en-US" dirty="0" err="1"/>
               <a:t>selectAll</a:t>
             </a:r>
             <a:r>
-              <a:rPr lang="en-US" dirty="0" smtClean="0"/>
+              <a:rPr lang="en-US" dirty="0"/>
               <a:t> and how they work)</a:t>
             </a:r>
           </a:p>
@@ -12533,15 +12032,15 @@
               <a:buChar char="•"/>
             </a:pPr>
             <a:r>
-              <a:rPr lang="en-US" dirty="0" smtClean="0"/>
+              <a:rPr lang="en-US" dirty="0"/>
               <a:t>SVG types (circle, </a:t>
             </a:r>
             <a:r>
-              <a:rPr lang="en-US" dirty="0" err="1" smtClean="0"/>
+              <a:rPr lang="en-US" dirty="0" err="1"/>
               <a:t>rect</a:t>
             </a:r>
             <a:r>
-              <a:rPr lang="en-US" dirty="0" smtClean="0"/>
+              <a:rPr lang="en-US" dirty="0"/>
               <a:t>, text, path)</a:t>
             </a:r>
           </a:p>
@@ -12551,7 +12050,7 @@
               <a:buChar char="•"/>
             </a:pPr>
             <a:r>
-              <a:rPr lang="en-US" dirty="0" smtClean="0"/>
+              <a:rPr lang="en-US" dirty="0"/>
               <a:t>Data Enter/Append</a:t>
             </a:r>
           </a:p>
@@ -12561,7 +12060,7 @@
               <a:buChar char="•"/>
             </a:pPr>
             <a:r>
-              <a:rPr lang="en-US" dirty="0" smtClean="0"/>
+              <a:rPr lang="en-US" dirty="0"/>
               <a:t>Data Exit/Remove</a:t>
             </a:r>
           </a:p>
@@ -12571,7 +12070,7 @@
               <a:buChar char="•"/>
             </a:pPr>
             <a:r>
-              <a:rPr lang="en-US" dirty="0" smtClean="0"/>
+              <a:rPr lang="en-US" dirty="0"/>
               <a:t>Chaining</a:t>
             </a:r>
           </a:p>
@@ -12581,10 +12080,10 @@
               <a:buChar char="•"/>
             </a:pPr>
             <a:r>
-              <a:rPr lang="en-US" dirty="0" err="1" smtClean="0"/>
+              <a:rPr lang="en-US" dirty="0" err="1"/>
               <a:t>Attributes+Transitions</a:t>
             </a:r>
-            <a:endParaRPr lang="en-US" dirty="0" smtClean="0"/>
+            <a:endParaRPr lang="en-US" dirty="0"/>
           </a:p>
           <a:p>
             <a:pPr marL="342900" indent="-342900" algn="l">
@@ -12592,7 +12091,7 @@
               <a:buChar char="•"/>
             </a:pPr>
             <a:r>
-              <a:rPr lang="en-US" dirty="0" smtClean="0"/>
+              <a:rPr lang="en-US" dirty="0"/>
               <a:t>Arrays: Min/Max/Range, Keys, Merge, Nest</a:t>
             </a:r>
           </a:p>
@@ -12602,7 +12101,7 @@
               <a:buChar char="•"/>
             </a:pPr>
             <a:r>
-              <a:rPr lang="en-US" dirty="0" smtClean="0"/>
+              <a:rPr lang="en-US" dirty="0"/>
               <a:t>Scales</a:t>
             </a:r>
           </a:p>
@@ -12612,7 +12111,7 @@
               <a:buChar char="•"/>
             </a:pPr>
             <a:r>
-              <a:rPr lang="en-US" dirty="0" smtClean="0"/>
+              <a:rPr lang="en-US" dirty="0"/>
               <a:t>Color</a:t>
             </a:r>
           </a:p>
@@ -12622,10 +12121,9 @@
               <a:buChar char="•"/>
             </a:pPr>
             <a:r>
-              <a:rPr lang="en-US" dirty="0" smtClean="0"/>
+              <a:rPr lang="en-US" dirty="0"/>
               <a:t>Axes</a:t>
             </a:r>
-            <a:endParaRPr lang="en-US" dirty="0"/>
           </a:p>
         </p:txBody>
       </p:sp>
@@ -12675,10 +12173,9 @@
           <a:lstStyle/>
           <a:p>
             <a:r>
-              <a:rPr lang="en-US" dirty="0" smtClean="0"/>
+              <a:rPr lang="en-US" dirty="0"/>
               <a:t>Design Basics for Charts</a:t>
             </a:r>
-            <a:endParaRPr lang="en-US" dirty="0"/>
           </a:p>
         </p:txBody>
       </p:sp>
@@ -12699,27 +12196,22 @@
           <a:p>
             <a:r>
               <a:rPr lang="en-US" sz="4000" dirty="0"/>
-              <a:t>http://</a:t>
-            </a:r>
-            <a:r>
-              <a:rPr lang="en-US" sz="4000" dirty="0" smtClean="0"/>
-              <a:t>bit.ly/1RfYZxm</a:t>
-            </a:r>
-          </a:p>
-          <a:p>
-            <a:r>
-              <a:rPr lang="en-US" dirty="0" smtClean="0"/>
+              <a:t>http://bit.ly/1RfYZxm</a:t>
+            </a:r>
+          </a:p>
+          <a:p>
+            <a:r>
+              <a:rPr lang="en-US" dirty="0"/>
               <a:t>Worth mentioning: There are additional </a:t>
             </a:r>
             <a:r>
-              <a:rPr lang="en-US" dirty="0" err="1" smtClean="0"/>
+              <a:rPr lang="en-US" dirty="0" err="1"/>
               <a:t>slidedecks</a:t>
             </a:r>
             <a:r>
-              <a:rPr lang="en-US" dirty="0" smtClean="0"/>
+              <a:rPr lang="en-US" dirty="0"/>
               <a:t> by the above authors on Maps, Pie Charts, and even Data Tables</a:t>
             </a:r>
-            <a:endParaRPr lang="en-US" dirty="0"/>
           </a:p>
         </p:txBody>
       </p:sp>
@@ -12774,10 +12266,9 @@
           <a:lstStyle/>
           <a:p>
             <a:r>
-              <a:rPr lang="en-US" dirty="0" smtClean="0"/>
+              <a:rPr lang="en-US" dirty="0"/>
               <a:t>Advanced d3 Abilities</a:t>
             </a:r>
-            <a:endParaRPr lang="en-US" dirty="0"/>
           </a:p>
         </p:txBody>
       </p:sp>
@@ -12810,129 +12301,95 @@
             </a:r>
             <a:r>
               <a:rPr lang="en-US" dirty="0"/>
-              <a:t>http://</a:t>
-            </a:r>
-            <a:r>
-              <a:rPr lang="en-US" dirty="0" smtClean="0"/>
-              <a:t>bit.ly/2xR9VxX</a:t>
-            </a:r>
-            <a:endParaRPr lang="en-US" dirty="0"/>
+              <a:t>http://bit.ly/2xR9VxX</a:t>
+            </a:r>
           </a:p>
           <a:p>
             <a:pPr algn="l"/>
             <a:r>
-              <a:rPr lang="en-US" b="1" dirty="0" err="1" smtClean="0"/>
+              <a:rPr lang="en-US" b="1" dirty="0" err="1"/>
               <a:t>Voronoi</a:t>
             </a:r>
             <a:r>
-              <a:rPr lang="en-US" b="1" dirty="0" smtClean="0"/>
+              <a:rPr lang="en-US" b="1" dirty="0"/>
               <a:t>: </a:t>
             </a:r>
             <a:r>
               <a:rPr lang="en-US" dirty="0"/>
-              <a:t>http://</a:t>
-            </a:r>
-            <a:r>
-              <a:rPr lang="en-US" dirty="0" smtClean="0"/>
-              <a:t>bit.ly/2gK35mi </a:t>
+              <a:t>http://bit.ly/2gK35mi </a:t>
             </a:r>
           </a:p>
           <a:p>
             <a:pPr algn="l"/>
             <a:r>
               <a:rPr lang="en-US" dirty="0"/>
-              <a:t>	https://</a:t>
-            </a:r>
-            <a:r>
-              <a:rPr lang="en-US" dirty="0" smtClean="0"/>
-              <a:t>bl.ocks.org/mbostock/4060366</a:t>
+              <a:t>	https://bl.ocks.org/mbostock/4060366</a:t>
             </a:r>
           </a:p>
           <a:p>
             <a:pPr algn="l"/>
             <a:r>
-              <a:rPr lang="en-US" b="1" dirty="0" smtClean="0"/>
+              <a:rPr lang="en-US" b="1" dirty="0"/>
               <a:t>Zooming: </a:t>
             </a:r>
             <a:r>
               <a:rPr lang="en-US" dirty="0"/>
-              <a:t>http://</a:t>
-            </a:r>
-            <a:r>
-              <a:rPr lang="en-US" dirty="0" smtClean="0"/>
-              <a:t>bit.ly/2f6WYsg</a:t>
+              <a:t>http://bit.ly/2f6WYsg</a:t>
             </a:r>
           </a:p>
           <a:p>
             <a:pPr algn="l"/>
             <a:r>
-              <a:rPr lang="en-US" b="1" dirty="0" smtClean="0"/>
+              <a:rPr lang="en-US" b="1" dirty="0"/>
               <a:t>Brushing/Zooming: </a:t>
             </a:r>
             <a:r>
               <a:rPr lang="en-US" dirty="0"/>
               <a:t>http://bit.ly/2lTjfef</a:t>
             </a:r>
-            <a:endParaRPr lang="en-US" dirty="0" smtClean="0"/>
           </a:p>
           <a:p>
             <a:pPr algn="l"/>
             <a:r>
-              <a:rPr lang="en-US" b="1" dirty="0" smtClean="0"/>
+              <a:rPr lang="en-US" b="1" dirty="0"/>
               <a:t>Stacking:</a:t>
             </a:r>
             <a:r>
               <a:rPr lang="en-US" dirty="0"/>
-              <a:t> http://</a:t>
-            </a:r>
-            <a:r>
-              <a:rPr lang="en-US" dirty="0" smtClean="0"/>
-              <a:t>bl.ocks.org/mbostock/582915</a:t>
+              <a:t> http://bl.ocks.org/mbostock/582915</a:t>
             </a:r>
           </a:p>
           <a:p>
             <a:pPr algn="l"/>
             <a:r>
-              <a:rPr lang="en-US" b="1" dirty="0" smtClean="0"/>
+              <a:rPr lang="en-US" b="1" dirty="0"/>
               <a:t>Collision Constraint: </a:t>
             </a:r>
             <a:r>
               <a:rPr lang="en-US" dirty="0"/>
-              <a:t>http://</a:t>
-            </a:r>
-            <a:r>
-              <a:rPr lang="en-US" dirty="0" smtClean="0"/>
-              <a:t>bit.ly/2vOPk05</a:t>
+              <a:t>http://bit.ly/2vOPk05</a:t>
             </a:r>
           </a:p>
           <a:p>
             <a:pPr algn="l"/>
             <a:r>
-              <a:rPr lang="en-US" b="1" dirty="0" smtClean="0"/>
+              <a:rPr lang="en-US" b="1" dirty="0"/>
               <a:t>Dragging: </a:t>
             </a:r>
             <a:r>
               <a:rPr lang="en-US" dirty="0"/>
-              <a:t>http://</a:t>
-            </a:r>
-            <a:r>
-              <a:rPr lang="en-US" dirty="0" smtClean="0"/>
-              <a:t>bit.ly/2j6x5gH</a:t>
+              <a:t>http://bit.ly/2j6x5gH</a:t>
             </a:r>
           </a:p>
           <a:p>
             <a:pPr algn="l"/>
             <a:r>
-              <a:rPr lang="en-US" b="1" dirty="0" smtClean="0"/>
+              <a:rPr lang="en-US" b="1" dirty="0"/>
               <a:t>“Each”: </a:t>
             </a:r>
             <a:r>
               <a:rPr lang="en-US" dirty="0"/>
-              <a:t>https://</a:t>
-            </a:r>
-            <a:r>
-              <a:rPr lang="en-US" dirty="0" smtClean="0"/>
-              <a:t>bl.ocks.org/mbostock/9490313</a:t>
+              <a:t>https://bl.ocks.org/mbostock/9490313</a:t>
             </a:r>
           </a:p>
           <a:p>
@@ -12968,11 +12425,7 @@
             </a:r>
             <a:r>
               <a:rPr lang="en-US" sz="2400" dirty="0"/>
-              <a:t> (super advanced): https://</a:t>
-            </a:r>
-            <a:r>
-              <a:rPr lang="en-US" sz="2400" dirty="0" smtClean="0"/>
-              <a:t>bl.ocks.org/mbostock/5872848</a:t>
+              <a:t> (super advanced): https://bl.ocks.org/mbostock/5872848</a:t>
             </a:r>
           </a:p>
           <a:p>
@@ -13050,10 +12503,9 @@
           <a:lstStyle/>
           <a:p>
             <a:r>
-              <a:rPr lang="en-US" dirty="0" smtClean="0"/>
+              <a:rPr lang="en-US" dirty="0"/>
               <a:t>SVG Documentation</a:t>
             </a:r>
-            <a:endParaRPr lang="en-US" dirty="0"/>
           </a:p>
         </p:txBody>
       </p:sp>
@@ -13074,19 +12526,14 @@
           <a:p>
             <a:r>
               <a:rPr lang="en-US" sz="4000" dirty="0"/>
-              <a:t>https://</a:t>
-            </a:r>
-            <a:r>
-              <a:rPr lang="en-US" sz="4000" dirty="0" smtClean="0"/>
-              <a:t>mzl.la/1nP24aN</a:t>
-            </a:r>
-          </a:p>
-          <a:p>
-            <a:r>
-              <a:rPr lang="en-US" dirty="0" smtClean="0"/>
+              <a:t>https://mzl.la/1nP24aN</a:t>
+            </a:r>
+          </a:p>
+          <a:p>
+            <a:r>
+              <a:rPr lang="en-US" dirty="0"/>
               <a:t>Check it: this is good to be familiar with, as is all of MDN</a:t>
             </a:r>
-            <a:endParaRPr lang="en-US" dirty="0"/>
           </a:p>
         </p:txBody>
       </p:sp>
@@ -13136,10 +12583,9 @@
           <a:lstStyle/>
           <a:p>
             <a:r>
-              <a:rPr lang="en-US" dirty="0" smtClean="0"/>
+              <a:rPr lang="en-US" dirty="0"/>
               <a:t>SVG Level 2</a:t>
             </a:r>
-            <a:endParaRPr lang="en-US" dirty="0"/>
           </a:p>
         </p:txBody>
       </p:sp>
@@ -13160,27 +12606,22 @@
           <a:p>
             <a:r>
               <a:rPr lang="en-US" sz="4000" dirty="0"/>
-              <a:t>http://</a:t>
-            </a:r>
-            <a:r>
-              <a:rPr lang="en-US" sz="4000" dirty="0" smtClean="0"/>
-              <a:t>bit.ly/2xdgJsI</a:t>
-            </a:r>
-          </a:p>
-          <a:p>
-            <a:r>
-              <a:rPr lang="en-US" dirty="0" smtClean="0"/>
+              <a:t>http://bit.ly/2xdgJsI</a:t>
+            </a:r>
+          </a:p>
+          <a:p>
+            <a:r>
+              <a:rPr lang="en-US" dirty="0"/>
               <a:t>Plug: </a:t>
             </a:r>
             <a:r>
-              <a:rPr lang="en-US" dirty="0" err="1" smtClean="0"/>
+              <a:rPr lang="en-US" dirty="0" err="1"/>
               <a:t>VisualCinnamon</a:t>
             </a:r>
             <a:r>
-              <a:rPr lang="en-US" dirty="0" smtClean="0"/>
+              <a:rPr lang="en-US" dirty="0"/>
               <a:t> is extraordinary. Their work on SVG in particular is the best I have found to date.</a:t>
             </a:r>
-            <a:endParaRPr lang="en-US" dirty="0"/>
           </a:p>
         </p:txBody>
       </p:sp>
@@ -13230,18 +12671,17 @@
           <a:lstStyle/>
           <a:p>
             <a:r>
-              <a:rPr lang="en-US" dirty="0" smtClean="0"/>
+              <a:rPr lang="en-US" dirty="0"/>
               <a:t>477 hours </a:t>
             </a:r>
             <a:r>
-              <a:rPr lang="en-US" i="1" dirty="0" smtClean="0"/>
+              <a:rPr lang="en-US" i="1" dirty="0"/>
               <a:t>minimum</a:t>
             </a:r>
             <a:r>
-              <a:rPr lang="en-US" dirty="0" smtClean="0"/>
+              <a:rPr lang="en-US" dirty="0"/>
               <a:t>, pre D3</a:t>
             </a:r>
-            <a:endParaRPr lang="en-US" dirty="0"/>
           </a:p>
         </p:txBody>
       </p:sp>
@@ -13303,13 +12743,6 @@
   <p:clrMapOvr>
     <a:masterClrMapping/>
   </p:clrMapOvr>
-  <p:timing>
-    <p:tnLst>
-      <p:par>
-        <p:cTn id="1" dur="indefinite" restart="never" nodeType="tmRoot"/>
-      </p:par>
-    </p:tnLst>
-  </p:timing>
 </p:sld>
 </file>
 
@@ -13346,10 +12779,9 @@
           <a:lstStyle/>
           <a:p>
             <a:r>
-              <a:rPr lang="en-US" dirty="0" smtClean="0"/>
+              <a:rPr lang="en-US" dirty="0"/>
               <a:t>Maps in D3</a:t>
             </a:r>
-            <a:endParaRPr lang="en-US" dirty="0"/>
           </a:p>
         </p:txBody>
       </p:sp>
@@ -13379,34 +12811,25 @@
               <a:rPr lang="en-US" sz="4000" dirty="0"/>
               <a:t>http://bit.ly/2f7o4Q5</a:t>
             </a:r>
-            <a:endParaRPr lang="en-US" sz="6000" dirty="0" smtClean="0"/>
-          </a:p>
-          <a:p>
-            <a:r>
-              <a:rPr lang="en-US" sz="4000" dirty="0" smtClean="0"/>
-              <a:t>http</a:t>
-            </a:r>
+            <a:endParaRPr lang="en-US" sz="6000" dirty="0"/>
+          </a:p>
+          <a:p>
             <a:r>
               <a:rPr lang="en-US" sz="4000" dirty="0"/>
-              <a:t>://</a:t>
-            </a:r>
-            <a:r>
-              <a:rPr lang="en-US" sz="4000" dirty="0" smtClean="0"/>
-              <a:t>oreil.ly/1UnNtFe</a:t>
-            </a:r>
-          </a:p>
-          <a:p>
-            <a:r>
-              <a:rPr lang="en-US" dirty="0" smtClean="0"/>
+              <a:t>http://oreil.ly/1UnNtFe</a:t>
+            </a:r>
+          </a:p>
+          <a:p>
+            <a:r>
+              <a:rPr lang="en-US" dirty="0"/>
               <a:t>Warning: This is advanced level!</a:t>
             </a:r>
           </a:p>
           <a:p>
             <a:r>
-              <a:rPr lang="en-US" sz="2000" dirty="0" smtClean="0"/>
+              <a:rPr lang="en-US" sz="2000" dirty="0"/>
               <a:t>Also: The d3 library contains geo maps of many kinds already.</a:t>
             </a:r>
-            <a:endParaRPr lang="en-US" sz="2000" dirty="0"/>
           </a:p>
         </p:txBody>
       </p:sp>
@@ -13456,10 +12879,9 @@
           <a:lstStyle/>
           <a:p>
             <a:r>
-              <a:rPr lang="en-US" dirty="0" smtClean="0"/>
+              <a:rPr lang="en-US" dirty="0"/>
               <a:t>D3’s Extensive Library:</a:t>
             </a:r>
-            <a:endParaRPr lang="en-US" dirty="0"/>
           </a:p>
         </p:txBody>
       </p:sp>
@@ -13493,17 +12915,13 @@
           </a:p>
           <a:p>
             <a:pPr algn="l"/>
-            <a:endParaRPr lang="en-US" dirty="0" smtClean="0"/>
+            <a:endParaRPr lang="en-US" dirty="0"/>
           </a:p>
           <a:p>
             <a:pPr algn="l"/>
             <a:r>
-              <a:rPr lang="en-US" dirty="0" smtClean="0"/>
-              <a:t>Statistics</a:t>
-            </a:r>
-            <a:r>
-              <a:rPr lang="en-US" dirty="0"/>
-              <a:t>, histograms (4 kinds), ES6’s Map/Set, Nesting, Data Ingestion (CSV, TSV, </a:t>
+              <a:rPr lang="en-US" dirty="0"/>
+              <a:t>Statistics, histograms (4 kinds), ES6’s Map/Set, Nesting, Data Ingestion (CSV, TSV, </a:t>
             </a:r>
             <a:r>
               <a:rPr lang="en-US" dirty="0" err="1"/>
@@ -13511,15 +12929,7 @@
             </a:r>
             <a:r>
               <a:rPr lang="en-US" dirty="0"/>
-              <a:t>), many </a:t>
-            </a:r>
-            <a:r>
-              <a:rPr lang="en-US" dirty="0" smtClean="0"/>
-              <a:t>animation/easing/time </a:t>
-            </a:r>
-            <a:r>
-              <a:rPr lang="en-US" dirty="0"/>
-              <a:t>options, force/physics, geography and projections, spherical maps/math, and that is just the first 25% of it: </a:t>
+              <a:t>), many animation/easing/time options, force/physics, geography and projections, spherical maps/math, and that is just the first 25% of it: </a:t>
             </a:r>
           </a:p>
           <a:p>
@@ -13573,10 +12983,9 @@
           <a:lstStyle/>
           <a:p>
             <a:r>
-              <a:rPr lang="en-US" dirty="0" smtClean="0"/>
+              <a:rPr lang="en-US" dirty="0"/>
               <a:t>Canvas and D3</a:t>
             </a:r>
-            <a:endParaRPr lang="en-US" dirty="0"/>
           </a:p>
         </p:txBody>
       </p:sp>
@@ -13604,19 +13013,14 @@
           <a:p>
             <a:r>
               <a:rPr lang="en-US" sz="4000" dirty="0"/>
-              <a:t>http://</a:t>
-            </a:r>
-            <a:r>
-              <a:rPr lang="en-US" sz="4000" dirty="0" smtClean="0"/>
-              <a:t>bit.ly/2xRh9Ci</a:t>
-            </a:r>
-          </a:p>
-          <a:p>
-            <a:r>
-              <a:rPr lang="en-US" dirty="0" smtClean="0"/>
+              <a:t>http://bit.ly/2xRh9Ci</a:t>
+            </a:r>
+          </a:p>
+          <a:p>
+            <a:r>
+              <a:rPr lang="en-US" dirty="0"/>
               <a:t>Important: Canvas is a native web technology, similar to SVG. You can google the comparisons, but it is a good option if you need serious performance over visual quality.</a:t>
             </a:r>
-            <a:endParaRPr lang="en-US" dirty="0"/>
           </a:p>
         </p:txBody>
       </p:sp>
@@ -13674,10 +13078,9 @@
           <a:p>
             <a:pPr algn="ctr"/>
             <a:r>
-              <a:rPr lang="en-US" sz="6000" dirty="0" smtClean="0"/>
+              <a:rPr lang="en-US" sz="6000" dirty="0"/>
               <a:t>Data Processing in JS</a:t>
             </a:r>
-            <a:endParaRPr lang="en-US" sz="6000" dirty="0"/>
           </a:p>
         </p:txBody>
       </p:sp>
@@ -13708,11 +13111,7 @@
             </a:pPr>
             <a:r>
               <a:rPr lang="en-US" sz="4000" dirty="0"/>
-              <a:t>http://</a:t>
-            </a:r>
-            <a:r>
-              <a:rPr lang="en-US" sz="4000" dirty="0" smtClean="0"/>
-              <a:t>learnjsdata.com/index.html</a:t>
+              <a:t>http://learnjsdata.com/index.html</a:t>
             </a:r>
           </a:p>
           <a:p>
@@ -13720,10 +13119,9 @@
               <a:buNone/>
             </a:pPr>
             <a:r>
-              <a:rPr lang="en-US" sz="2400" dirty="0" smtClean="0"/>
+              <a:rPr lang="en-US" sz="2400" dirty="0"/>
               <a:t>Note: optional resource. This is very nice to have handy.</a:t>
             </a:r>
-            <a:endParaRPr lang="en-US" sz="2400" dirty="0"/>
           </a:p>
         </p:txBody>
       </p:sp>
@@ -13773,10 +13171,9 @@
           <a:lstStyle/>
           <a:p>
             <a:r>
-              <a:rPr lang="en-US" dirty="0" smtClean="0"/>
+              <a:rPr lang="en-US" dirty="0"/>
               <a:t>learnwebdev.com:</a:t>
             </a:r>
-            <a:endParaRPr lang="en-US" dirty="0"/>
           </a:p>
         </p:txBody>
       </p:sp>
@@ -13796,14 +13193,13 @@
           <a:lstStyle/>
           <a:p>
             <a:r>
-              <a:rPr lang="en-US" dirty="0" smtClean="0"/>
+              <a:rPr lang="en-US" dirty="0"/>
               <a:t>11.5 hours for JavaScript </a:t>
             </a:r>
             <a:r>
-              <a:rPr lang="en-US" i="1" dirty="0" smtClean="0"/>
+              <a:rPr lang="en-US" i="1" dirty="0"/>
               <a:t>alone</a:t>
             </a:r>
-            <a:endParaRPr lang="en-US" i="1" dirty="0"/>
           </a:p>
         </p:txBody>
       </p:sp>
@@ -13817,13 +13213,6 @@
   <p:clrMapOvr>
     <a:masterClrMapping/>
   </p:clrMapOvr>
-  <p:timing>
-    <p:tnLst>
-      <p:par>
-        <p:cTn id="1" dur="indefinite" restart="never" nodeType="tmRoot"/>
-      </p:par>
-    </p:tnLst>
-  </p:timing>
 </p:sld>
 </file>
 
@@ -13866,10 +13255,9 @@
           <a:p>
             <a:pPr algn="ctr"/>
             <a:r>
-              <a:rPr lang="en-US" dirty="0" smtClean="0"/>
+              <a:rPr lang="en-US" dirty="0"/>
               <a:t>~10 hours reduced to 2</a:t>
             </a:r>
-            <a:endParaRPr lang="en-US" dirty="0"/>
           </a:p>
         </p:txBody>
       </p:sp>
@@ -13907,13 +13295,6 @@
   <p:clrMapOvr>
     <a:masterClrMapping/>
   </p:clrMapOvr>
-  <p:timing>
-    <p:tnLst>
-      <p:par>
-        <p:cTn id="1" dur="indefinite" restart="never" nodeType="tmRoot"/>
-      </p:par>
-    </p:tnLst>
-  </p:timing>
 </p:sld>
 </file>
 
@@ -13990,13 +13371,6 @@
   <p:clrMapOvr>
     <a:masterClrMapping/>
   </p:clrMapOvr>
-  <p:timing>
-    <p:tnLst>
-      <p:par>
-        <p:cTn id="1" dur="indefinite" restart="never" nodeType="tmRoot"/>
-      </p:par>
-    </p:tnLst>
-  </p:timing>
 </p:sld>
 </file>
 
